--- a/docs/AlarmProcessorDiagram.pptx
+++ b/docs/AlarmProcessorDiagram.pptx
@@ -6,6 +6,7 @@
   </p:sldMasterIdLst>
   <p:sldIdLst>
     <p:sldId id="257" r:id="rId2"/>
+    <p:sldId id="258" r:id="rId3"/>
   </p:sldIdLst>
   <p:sldSz cx="12192000" cy="6858000"/>
   <p:notesSz cx="6858000" cy="9144000"/>
@@ -104,6 +105,11 @@
       </a:defRPr>
     </a:lvl9pPr>
   </p:defaultTextStyle>
+  <p:extLst>
+    <p:ext uri="{EFAFB233-063F-42B5-8137-9DF3F51BA10A}">
+      <p15:sldGuideLst xmlns:p15="http://schemas.microsoft.com/office/powerpoint/2012/main"/>
+    </p:ext>
+  </p:extLst>
 </p:presentation>
 </file>
 
@@ -254,7 +260,7 @@
           <a:p>
             <a:fld id="{44121C14-0BBC-B04F-BD49-98C362BE0BE3}" type="datetimeFigureOut">
               <a:rPr lang="en-US" smtClean="0"/>
-              <a:t>10/13/21</a:t>
+              <a:t>10/26/21</a:t>
             </a:fld>
             <a:endParaRPr lang="en-US"/>
           </a:p>
@@ -452,7 +458,7 @@
           <a:p>
             <a:fld id="{44121C14-0BBC-B04F-BD49-98C362BE0BE3}" type="datetimeFigureOut">
               <a:rPr lang="en-US" smtClean="0"/>
-              <a:t>10/13/21</a:t>
+              <a:t>10/26/21</a:t>
             </a:fld>
             <a:endParaRPr lang="en-US"/>
           </a:p>
@@ -660,7 +666,7 @@
           <a:p>
             <a:fld id="{44121C14-0BBC-B04F-BD49-98C362BE0BE3}" type="datetimeFigureOut">
               <a:rPr lang="en-US" smtClean="0"/>
-              <a:t>10/13/21</a:t>
+              <a:t>10/26/21</a:t>
             </a:fld>
             <a:endParaRPr lang="en-US"/>
           </a:p>
@@ -858,7 +864,7 @@
           <a:p>
             <a:fld id="{44121C14-0BBC-B04F-BD49-98C362BE0BE3}" type="datetimeFigureOut">
               <a:rPr lang="en-US" smtClean="0"/>
-              <a:t>10/13/21</a:t>
+              <a:t>10/26/21</a:t>
             </a:fld>
             <a:endParaRPr lang="en-US"/>
           </a:p>
@@ -1133,7 +1139,7 @@
           <a:p>
             <a:fld id="{44121C14-0BBC-B04F-BD49-98C362BE0BE3}" type="datetimeFigureOut">
               <a:rPr lang="en-US" smtClean="0"/>
-              <a:t>10/13/21</a:t>
+              <a:t>10/26/21</a:t>
             </a:fld>
             <a:endParaRPr lang="en-US"/>
           </a:p>
@@ -1398,7 +1404,7 @@
           <a:p>
             <a:fld id="{44121C14-0BBC-B04F-BD49-98C362BE0BE3}" type="datetimeFigureOut">
               <a:rPr lang="en-US" smtClean="0"/>
-              <a:t>10/13/21</a:t>
+              <a:t>10/26/21</a:t>
             </a:fld>
             <a:endParaRPr lang="en-US"/>
           </a:p>
@@ -1810,7 +1816,7 @@
           <a:p>
             <a:fld id="{44121C14-0BBC-B04F-BD49-98C362BE0BE3}" type="datetimeFigureOut">
               <a:rPr lang="en-US" smtClean="0"/>
-              <a:t>10/13/21</a:t>
+              <a:t>10/26/21</a:t>
             </a:fld>
             <a:endParaRPr lang="en-US"/>
           </a:p>
@@ -1951,7 +1957,7 @@
           <a:p>
             <a:fld id="{44121C14-0BBC-B04F-BD49-98C362BE0BE3}" type="datetimeFigureOut">
               <a:rPr lang="en-US" smtClean="0"/>
-              <a:t>10/13/21</a:t>
+              <a:t>10/26/21</a:t>
             </a:fld>
             <a:endParaRPr lang="en-US"/>
           </a:p>
@@ -2064,7 +2070,7 @@
           <a:p>
             <a:fld id="{44121C14-0BBC-B04F-BD49-98C362BE0BE3}" type="datetimeFigureOut">
               <a:rPr lang="en-US" smtClean="0"/>
-              <a:t>10/13/21</a:t>
+              <a:t>10/26/21</a:t>
             </a:fld>
             <a:endParaRPr lang="en-US"/>
           </a:p>
@@ -2375,7 +2381,7 @@
           <a:p>
             <a:fld id="{44121C14-0BBC-B04F-BD49-98C362BE0BE3}" type="datetimeFigureOut">
               <a:rPr lang="en-US" smtClean="0"/>
-              <a:t>10/13/21</a:t>
+              <a:t>10/26/21</a:t>
             </a:fld>
             <a:endParaRPr lang="en-US"/>
           </a:p>
@@ -2663,7 +2669,7 @@
           <a:p>
             <a:fld id="{44121C14-0BBC-B04F-BD49-98C362BE0BE3}" type="datetimeFigureOut">
               <a:rPr lang="en-US" smtClean="0"/>
-              <a:t>10/13/21</a:t>
+              <a:t>10/26/21</a:t>
             </a:fld>
             <a:endParaRPr lang="en-US"/>
           </a:p>
@@ -2904,7 +2910,7 @@
           <a:p>
             <a:fld id="{44121C14-0BBC-B04F-BD49-98C362BE0BE3}" type="datetimeFigureOut">
               <a:rPr lang="en-US" smtClean="0"/>
-              <a:t>10/13/21</a:t>
+              <a:t>10/26/21</a:t>
             </a:fld>
             <a:endParaRPr lang="en-US"/>
           </a:p>
@@ -3335,10 +3341,10 @@
         </p:nvGrpSpPr>
         <p:grpSpPr>
           <a:xfrm>
-            <a:off x="2274014" y="1534274"/>
-            <a:ext cx="7643972" cy="3789452"/>
-            <a:chOff x="1602769" y="1428107"/>
-            <a:chExt cx="7643972" cy="3789452"/>
+            <a:off x="2274014" y="1202938"/>
+            <a:ext cx="7304925" cy="4577988"/>
+            <a:chOff x="1602769" y="1096771"/>
+            <a:chExt cx="7304925" cy="4577988"/>
           </a:xfrm>
         </p:grpSpPr>
         <p:sp>
@@ -3355,7 +3361,7 @@
           </p:nvSpPr>
           <p:spPr>
             <a:xfrm>
-              <a:off x="1602769" y="1428107"/>
+              <a:off x="1602769" y="1096771"/>
               <a:ext cx="1469204" cy="914400"/>
             </a:xfrm>
             <a:prstGeom prst="rect">
@@ -3404,7 +3410,7 @@
           </p:nvSpPr>
           <p:spPr>
             <a:xfrm>
-              <a:off x="1602769" y="4303159"/>
+              <a:off x="1607907" y="4760359"/>
               <a:ext cx="1469204" cy="914400"/>
             </a:xfrm>
             <a:prstGeom prst="rect">
@@ -3453,7 +3459,7 @@
           </p:nvSpPr>
           <p:spPr>
             <a:xfrm>
-              <a:off x="1602769" y="2865633"/>
+              <a:off x="1602769" y="3533456"/>
               <a:ext cx="1469204" cy="914400"/>
             </a:xfrm>
             <a:prstGeom prst="rect">
@@ -3502,7 +3508,7 @@
           </p:nvSpPr>
           <p:spPr>
             <a:xfrm>
-              <a:off x="7777537" y="2865633"/>
+              <a:off x="7438490" y="3551434"/>
               <a:ext cx="1469204" cy="914400"/>
             </a:xfrm>
             <a:prstGeom prst="rect">
@@ -3532,7 +3538,7 @@
               <a:pPr algn="ctr"/>
               <a:r>
                 <a:rPr lang="en-US" dirty="0"/>
-                <a:t>Alarms</a:t>
+                <a:t>Effective Activations</a:t>
               </a:r>
             </a:p>
           </p:txBody>
@@ -3747,8 +3753,8 @@
           </p:nvCxnSpPr>
           <p:spPr>
             <a:xfrm>
-              <a:off x="3071973" y="1885307"/>
-              <a:ext cx="1099335" cy="457200"/>
+              <a:off x="3071973" y="1553971"/>
+              <a:ext cx="1099335" cy="788536"/>
             </a:xfrm>
             <a:prstGeom prst="straightConnector1">
               <a:avLst/>
@@ -3789,7 +3795,7 @@
           </p:nvCxnSpPr>
           <p:spPr>
             <a:xfrm>
-              <a:off x="3071973" y="3322833"/>
+              <a:off x="3071973" y="3990656"/>
               <a:ext cx="1099335" cy="0"/>
             </a:xfrm>
             <a:prstGeom prst="straightConnector1">
@@ -3832,8 +3838,8 @@
           </p:nvCxnSpPr>
           <p:spPr>
             <a:xfrm flipV="1">
-              <a:off x="3071973" y="4304014"/>
-              <a:ext cx="1099335" cy="456345"/>
+              <a:off x="3077111" y="4304014"/>
+              <a:ext cx="1094197" cy="913545"/>
             </a:xfrm>
             <a:prstGeom prst="straightConnector1">
               <a:avLst/>
@@ -3874,9 +3880,9 @@
             <p:nvPr/>
           </p:nvCxnSpPr>
           <p:spPr>
-            <a:xfrm flipV="1">
-              <a:off x="6852863" y="3322833"/>
-              <a:ext cx="924674" cy="2056"/>
+            <a:xfrm>
+              <a:off x="6852863" y="3324889"/>
+              <a:ext cx="585627" cy="683745"/>
             </a:xfrm>
             <a:prstGeom prst="straightConnector1">
               <a:avLst/>
@@ -3901,10 +3907,838 @@
           </p:style>
         </p:cxnSp>
       </p:grpSp>
+      <p:sp>
+        <p:nvSpPr>
+          <p:cNvPr id="13" name="Rectangle 12">
+            <a:extLst>
+              <a:ext uri="{FF2B5EF4-FFF2-40B4-BE49-F238E27FC236}">
+                <a16:creationId xmlns:a16="http://schemas.microsoft.com/office/drawing/2014/main" id="{FBA9F7AB-971C-8840-B825-D0C3BC5044EC}"/>
+              </a:ext>
+            </a:extLst>
+          </p:cNvPr>
+          <p:cNvSpPr/>
+          <p:nvPr/>
+        </p:nvSpPr>
+        <p:spPr>
+          <a:xfrm>
+            <a:off x="2274014" y="2349359"/>
+            <a:ext cx="1469204" cy="914400"/>
+          </a:xfrm>
+          <a:prstGeom prst="rect">
+            <a:avLst/>
+          </a:prstGeom>
+        </p:spPr>
+        <p:style>
+          <a:lnRef idx="2">
+            <a:schemeClr val="accent1">
+              <a:shade val="50000"/>
+            </a:schemeClr>
+          </a:lnRef>
+          <a:fillRef idx="1">
+            <a:schemeClr val="accent1"/>
+          </a:fillRef>
+          <a:effectRef idx="0">
+            <a:schemeClr val="accent1"/>
+          </a:effectRef>
+          <a:fontRef idx="minor">
+            <a:schemeClr val="lt1"/>
+          </a:fontRef>
+        </p:style>
+        <p:txBody>
+          <a:bodyPr rtlCol="0" anchor="ctr"/>
+          <a:lstStyle/>
+          <a:p>
+            <a:pPr algn="ctr"/>
+            <a:r>
+              <a:rPr lang="en-US" dirty="0"/>
+              <a:t>Classes</a:t>
+            </a:r>
+          </a:p>
+        </p:txBody>
+      </p:sp>
+      <p:cxnSp>
+        <p:nvCxnSpPr>
+          <p:cNvPr id="16" name="Straight Arrow Connector 15">
+            <a:extLst>
+              <a:ext uri="{FF2B5EF4-FFF2-40B4-BE49-F238E27FC236}">
+                <a16:creationId xmlns:a16="http://schemas.microsoft.com/office/drawing/2014/main" id="{A67E172A-DA8D-6B4F-B9A5-221B7DFC3C37}"/>
+              </a:ext>
+            </a:extLst>
+          </p:cNvPr>
+          <p:cNvCxnSpPr>
+            <a:cxnSpLocks/>
+            <a:stCxn id="13" idx="3"/>
+          </p:cNvCxnSpPr>
+          <p:nvPr/>
+        </p:nvCxnSpPr>
+        <p:spPr>
+          <a:xfrm>
+            <a:off x="3743218" y="2806559"/>
+            <a:ext cx="1097622" cy="0"/>
+          </a:xfrm>
+          <a:prstGeom prst="straightConnector1">
+            <a:avLst/>
+          </a:prstGeom>
+          <a:ln>
+            <a:tailEnd type="triangle"/>
+          </a:ln>
+        </p:spPr>
+        <p:style>
+          <a:lnRef idx="1">
+            <a:schemeClr val="accent1"/>
+          </a:lnRef>
+          <a:fillRef idx="0">
+            <a:schemeClr val="accent1"/>
+          </a:fillRef>
+          <a:effectRef idx="0">
+            <a:schemeClr val="accent1"/>
+          </a:effectRef>
+          <a:fontRef idx="minor">
+            <a:schemeClr val="tx1"/>
+          </a:fontRef>
+        </p:style>
+      </p:cxnSp>
+      <p:sp>
+        <p:nvSpPr>
+          <p:cNvPr id="22" name="Rectangle 21">
+            <a:extLst>
+              <a:ext uri="{FF2B5EF4-FFF2-40B4-BE49-F238E27FC236}">
+                <a16:creationId xmlns:a16="http://schemas.microsoft.com/office/drawing/2014/main" id="{C5E9FE0F-6410-D849-AFCE-83520A116BC0}"/>
+              </a:ext>
+            </a:extLst>
+          </p:cNvPr>
+          <p:cNvSpPr/>
+          <p:nvPr/>
+        </p:nvSpPr>
+        <p:spPr>
+          <a:xfrm>
+            <a:off x="8109735" y="2285999"/>
+            <a:ext cx="1469204" cy="914400"/>
+          </a:xfrm>
+          <a:prstGeom prst="rect">
+            <a:avLst/>
+          </a:prstGeom>
+        </p:spPr>
+        <p:style>
+          <a:lnRef idx="2">
+            <a:schemeClr val="accent1">
+              <a:shade val="50000"/>
+            </a:schemeClr>
+          </a:lnRef>
+          <a:fillRef idx="1">
+            <a:schemeClr val="accent1"/>
+          </a:fillRef>
+          <a:effectRef idx="0">
+            <a:schemeClr val="accent1"/>
+          </a:effectRef>
+          <a:fontRef idx="minor">
+            <a:schemeClr val="lt1"/>
+          </a:fontRef>
+        </p:style>
+        <p:txBody>
+          <a:bodyPr rtlCol="0" anchor="ctr"/>
+          <a:lstStyle/>
+          <a:p>
+            <a:pPr algn="ctr"/>
+            <a:r>
+              <a:rPr lang="en-US" dirty="0"/>
+              <a:t>Effective Registrations</a:t>
+            </a:r>
+          </a:p>
+        </p:txBody>
+      </p:sp>
+      <p:cxnSp>
+        <p:nvCxnSpPr>
+          <p:cNvPr id="24" name="Straight Arrow Connector 23">
+            <a:extLst>
+              <a:ext uri="{FF2B5EF4-FFF2-40B4-BE49-F238E27FC236}">
+                <a16:creationId xmlns:a16="http://schemas.microsoft.com/office/drawing/2014/main" id="{0E5A1AA1-C71D-B141-9F43-8A2C43DF3ABB}"/>
+              </a:ext>
+            </a:extLst>
+          </p:cNvPr>
+          <p:cNvCxnSpPr>
+            <a:cxnSpLocks/>
+            <a:endCxn id="22" idx="1"/>
+          </p:cNvCxnSpPr>
+          <p:nvPr/>
+        </p:nvCxnSpPr>
+        <p:spPr>
+          <a:xfrm flipV="1">
+            <a:off x="7524108" y="2743199"/>
+            <a:ext cx="585627" cy="683746"/>
+          </a:xfrm>
+          <a:prstGeom prst="straightConnector1">
+            <a:avLst/>
+          </a:prstGeom>
+          <a:ln>
+            <a:tailEnd type="triangle"/>
+          </a:ln>
+        </p:spPr>
+        <p:style>
+          <a:lnRef idx="1">
+            <a:schemeClr val="accent1"/>
+          </a:lnRef>
+          <a:fillRef idx="0">
+            <a:schemeClr val="accent1"/>
+          </a:fillRef>
+          <a:effectRef idx="0">
+            <a:schemeClr val="accent1"/>
+          </a:effectRef>
+          <a:fontRef idx="minor">
+            <a:schemeClr val="tx1"/>
+          </a:fontRef>
+        </p:style>
+      </p:cxnSp>
     </p:spTree>
     <p:extLst>
       <p:ext uri="{BB962C8B-B14F-4D97-AF65-F5344CB8AC3E}">
         <p14:creationId xmlns:p14="http://schemas.microsoft.com/office/powerpoint/2010/main" val="2190629849"/>
+      </p:ext>
+    </p:extLst>
+  </p:cSld>
+  <p:clrMapOvr>
+    <a:masterClrMapping/>
+  </p:clrMapOvr>
+</p:sld>
+</file>
+
+<file path=ppt/slides/slide2.xml><?xml version="1.0" encoding="utf-8"?>
+<p:sld xmlns:a="http://schemas.openxmlformats.org/drawingml/2006/main" xmlns:r="http://schemas.openxmlformats.org/officeDocument/2006/relationships" xmlns:p="http://schemas.openxmlformats.org/presentationml/2006/main">
+  <p:cSld>
+    <p:spTree>
+      <p:nvGrpSpPr>
+        <p:cNvPr id="1" name=""/>
+        <p:cNvGrpSpPr/>
+        <p:nvPr/>
+      </p:nvGrpSpPr>
+      <p:grpSpPr>
+        <a:xfrm>
+          <a:off x="0" y="0"/>
+          <a:ext cx="0" cy="0"/>
+          <a:chOff x="0" y="0"/>
+          <a:chExt cx="0" cy="0"/>
+        </a:xfrm>
+      </p:grpSpPr>
+      <p:sp>
+        <p:nvSpPr>
+          <p:cNvPr id="4" name="Rectangle 3">
+            <a:extLst>
+              <a:ext uri="{FF2B5EF4-FFF2-40B4-BE49-F238E27FC236}">
+                <a16:creationId xmlns:a16="http://schemas.microsoft.com/office/drawing/2014/main" id="{473CFB21-0F28-904C-A081-69FD63B531AB}"/>
+              </a:ext>
+            </a:extLst>
+          </p:cNvPr>
+          <p:cNvSpPr/>
+          <p:nvPr/>
+        </p:nvSpPr>
+        <p:spPr>
+          <a:xfrm>
+            <a:off x="154112" y="2514600"/>
+            <a:ext cx="1469204" cy="914400"/>
+          </a:xfrm>
+          <a:prstGeom prst="rect">
+            <a:avLst/>
+          </a:prstGeom>
+        </p:spPr>
+        <p:style>
+          <a:lnRef idx="2">
+            <a:schemeClr val="accent1">
+              <a:shade val="50000"/>
+            </a:schemeClr>
+          </a:lnRef>
+          <a:fillRef idx="1">
+            <a:schemeClr val="accent1"/>
+          </a:fillRef>
+          <a:effectRef idx="0">
+            <a:schemeClr val="accent1"/>
+          </a:effectRef>
+          <a:fontRef idx="minor">
+            <a:schemeClr val="lt1"/>
+          </a:fontRef>
+        </p:style>
+        <p:txBody>
+          <a:bodyPr rtlCol="0" anchor="ctr"/>
+          <a:lstStyle/>
+          <a:p>
+            <a:pPr algn="ctr"/>
+            <a:r>
+              <a:rPr lang="en-US" dirty="0"/>
+              <a:t>Intermediate Registration</a:t>
+            </a:r>
+          </a:p>
+        </p:txBody>
+      </p:sp>
+      <p:sp>
+        <p:nvSpPr>
+          <p:cNvPr id="5" name="Rectangle 4">
+            <a:extLst>
+              <a:ext uri="{FF2B5EF4-FFF2-40B4-BE49-F238E27FC236}">
+                <a16:creationId xmlns:a16="http://schemas.microsoft.com/office/drawing/2014/main" id="{F9CF868B-65E9-8946-B31E-39AB98D00EF3}"/>
+              </a:ext>
+            </a:extLst>
+          </p:cNvPr>
+          <p:cNvSpPr/>
+          <p:nvPr/>
+        </p:nvSpPr>
+        <p:spPr>
+          <a:xfrm>
+            <a:off x="2032571" y="2514600"/>
+            <a:ext cx="1469204" cy="914400"/>
+          </a:xfrm>
+          <a:prstGeom prst="rect">
+            <a:avLst/>
+          </a:prstGeom>
+        </p:spPr>
+        <p:style>
+          <a:lnRef idx="2">
+            <a:schemeClr val="accent1">
+              <a:shade val="50000"/>
+            </a:schemeClr>
+          </a:lnRef>
+          <a:fillRef idx="1">
+            <a:schemeClr val="accent1"/>
+          </a:fillRef>
+          <a:effectRef idx="0">
+            <a:schemeClr val="accent1"/>
+          </a:effectRef>
+          <a:fontRef idx="minor">
+            <a:schemeClr val="lt1"/>
+          </a:fontRef>
+        </p:style>
+        <p:txBody>
+          <a:bodyPr rtlCol="0" anchor="ctr"/>
+          <a:lstStyle/>
+          <a:p>
+            <a:pPr algn="ctr"/>
+            <a:r>
+              <a:rPr lang="en-US" dirty="0"/>
+              <a:t>Intermediate Activation</a:t>
+            </a:r>
+          </a:p>
+        </p:txBody>
+      </p:sp>
+      <p:sp>
+        <p:nvSpPr>
+          <p:cNvPr id="6" name="Rectangle 5">
+            <a:extLst>
+              <a:ext uri="{FF2B5EF4-FFF2-40B4-BE49-F238E27FC236}">
+                <a16:creationId xmlns:a16="http://schemas.microsoft.com/office/drawing/2014/main" id="{4B16CCEA-38EC-664B-AB09-74DD749A0406}"/>
+              </a:ext>
+            </a:extLst>
+          </p:cNvPr>
+          <p:cNvSpPr/>
+          <p:nvPr/>
+        </p:nvSpPr>
+        <p:spPr>
+          <a:xfrm>
+            <a:off x="3911030" y="2514600"/>
+            <a:ext cx="1469204" cy="914400"/>
+          </a:xfrm>
+          <a:prstGeom prst="rect">
+            <a:avLst/>
+          </a:prstGeom>
+        </p:spPr>
+        <p:style>
+          <a:lnRef idx="2">
+            <a:schemeClr val="accent1">
+              <a:shade val="50000"/>
+            </a:schemeClr>
+          </a:lnRef>
+          <a:fillRef idx="1">
+            <a:schemeClr val="accent1"/>
+          </a:fillRef>
+          <a:effectRef idx="0">
+            <a:schemeClr val="accent1"/>
+          </a:effectRef>
+          <a:fontRef idx="minor">
+            <a:schemeClr val="lt1"/>
+          </a:fontRef>
+        </p:style>
+        <p:txBody>
+          <a:bodyPr rtlCol="0" anchor="ctr"/>
+          <a:lstStyle/>
+          <a:p>
+            <a:pPr algn="ctr"/>
+            <a:r>
+              <a:rPr lang="en-US" dirty="0"/>
+              <a:t>Intermediate Latch</a:t>
+            </a:r>
+          </a:p>
+        </p:txBody>
+      </p:sp>
+      <p:sp>
+        <p:nvSpPr>
+          <p:cNvPr id="7" name="Rectangle 6">
+            <a:extLst>
+              <a:ext uri="{FF2B5EF4-FFF2-40B4-BE49-F238E27FC236}">
+                <a16:creationId xmlns:a16="http://schemas.microsoft.com/office/drawing/2014/main" id="{E8EBD433-54B8-A645-B8AA-873A720D8CEA}"/>
+              </a:ext>
+            </a:extLst>
+          </p:cNvPr>
+          <p:cNvSpPr/>
+          <p:nvPr/>
+        </p:nvSpPr>
+        <p:spPr>
+          <a:xfrm>
+            <a:off x="5798048" y="2514600"/>
+            <a:ext cx="1469204" cy="914400"/>
+          </a:xfrm>
+          <a:prstGeom prst="rect">
+            <a:avLst/>
+          </a:prstGeom>
+        </p:spPr>
+        <p:style>
+          <a:lnRef idx="2">
+            <a:schemeClr val="accent1">
+              <a:shade val="50000"/>
+            </a:schemeClr>
+          </a:lnRef>
+          <a:fillRef idx="1">
+            <a:schemeClr val="accent1"/>
+          </a:fillRef>
+          <a:effectRef idx="0">
+            <a:schemeClr val="accent1"/>
+          </a:effectRef>
+          <a:fontRef idx="minor">
+            <a:schemeClr val="lt1"/>
+          </a:fontRef>
+        </p:style>
+        <p:txBody>
+          <a:bodyPr rtlCol="0" anchor="ctr"/>
+          <a:lstStyle/>
+          <a:p>
+            <a:pPr algn="ctr"/>
+            <a:r>
+              <a:rPr lang="en-US" dirty="0"/>
+              <a:t>Intermediate </a:t>
+            </a:r>
+            <a:r>
+              <a:rPr lang="en-US" dirty="0" err="1"/>
+              <a:t>Oneshot</a:t>
+            </a:r>
+            <a:endParaRPr lang="en-US" dirty="0"/>
+          </a:p>
+        </p:txBody>
+      </p:sp>
+      <p:sp>
+        <p:nvSpPr>
+          <p:cNvPr id="8" name="Rectangle 7">
+            <a:extLst>
+              <a:ext uri="{FF2B5EF4-FFF2-40B4-BE49-F238E27FC236}">
+                <a16:creationId xmlns:a16="http://schemas.microsoft.com/office/drawing/2014/main" id="{64D70DE3-BC34-AF48-BE0B-20AE3F1D5038}"/>
+              </a:ext>
+            </a:extLst>
+          </p:cNvPr>
+          <p:cNvSpPr/>
+          <p:nvPr/>
+        </p:nvSpPr>
+        <p:spPr>
+          <a:xfrm>
+            <a:off x="7676505" y="2514600"/>
+            <a:ext cx="1469204" cy="914400"/>
+          </a:xfrm>
+          <a:prstGeom prst="rect">
+            <a:avLst/>
+          </a:prstGeom>
+        </p:spPr>
+        <p:style>
+          <a:lnRef idx="2">
+            <a:schemeClr val="accent1">
+              <a:shade val="50000"/>
+            </a:schemeClr>
+          </a:lnRef>
+          <a:fillRef idx="1">
+            <a:schemeClr val="accent1"/>
+          </a:fillRef>
+          <a:effectRef idx="0">
+            <a:schemeClr val="accent1"/>
+          </a:effectRef>
+          <a:fontRef idx="minor">
+            <a:schemeClr val="lt1"/>
+          </a:fontRef>
+        </p:style>
+        <p:txBody>
+          <a:bodyPr rtlCol="0" anchor="ctr"/>
+          <a:lstStyle/>
+          <a:p>
+            <a:pPr algn="ctr"/>
+            <a:r>
+              <a:rPr lang="en-US" dirty="0"/>
+              <a:t>Intermediate Mask</a:t>
+            </a:r>
+          </a:p>
+        </p:txBody>
+      </p:sp>
+      <p:cxnSp>
+        <p:nvCxnSpPr>
+          <p:cNvPr id="9" name="Straight Arrow Connector 8">
+            <a:extLst>
+              <a:ext uri="{FF2B5EF4-FFF2-40B4-BE49-F238E27FC236}">
+                <a16:creationId xmlns:a16="http://schemas.microsoft.com/office/drawing/2014/main" id="{E2CEFDBF-6253-5945-91C7-714EB34330E6}"/>
+              </a:ext>
+            </a:extLst>
+          </p:cNvPr>
+          <p:cNvCxnSpPr>
+            <a:cxnSpLocks/>
+            <a:stCxn id="4" idx="3"/>
+            <a:endCxn id="5" idx="1"/>
+          </p:cNvCxnSpPr>
+          <p:nvPr/>
+        </p:nvCxnSpPr>
+        <p:spPr>
+          <a:xfrm>
+            <a:off x="1623316" y="2971800"/>
+            <a:ext cx="409255" cy="0"/>
+          </a:xfrm>
+          <a:prstGeom prst="straightConnector1">
+            <a:avLst/>
+          </a:prstGeom>
+          <a:ln>
+            <a:tailEnd type="triangle"/>
+          </a:ln>
+        </p:spPr>
+        <p:style>
+          <a:lnRef idx="1">
+            <a:schemeClr val="accent1"/>
+          </a:lnRef>
+          <a:fillRef idx="0">
+            <a:schemeClr val="accent1"/>
+          </a:fillRef>
+          <a:effectRef idx="0">
+            <a:schemeClr val="accent1"/>
+          </a:effectRef>
+          <a:fontRef idx="minor">
+            <a:schemeClr val="tx1"/>
+          </a:fontRef>
+        </p:style>
+      </p:cxnSp>
+      <p:cxnSp>
+        <p:nvCxnSpPr>
+          <p:cNvPr id="13" name="Straight Arrow Connector 12">
+            <a:extLst>
+              <a:ext uri="{FF2B5EF4-FFF2-40B4-BE49-F238E27FC236}">
+                <a16:creationId xmlns:a16="http://schemas.microsoft.com/office/drawing/2014/main" id="{10683CE6-9176-C74C-B388-69EF88AF5303}"/>
+              </a:ext>
+            </a:extLst>
+          </p:cNvPr>
+          <p:cNvCxnSpPr>
+            <a:cxnSpLocks/>
+            <a:stCxn id="5" idx="3"/>
+            <a:endCxn id="6" idx="1"/>
+          </p:cNvCxnSpPr>
+          <p:nvPr/>
+        </p:nvCxnSpPr>
+        <p:spPr>
+          <a:xfrm>
+            <a:off x="3501775" y="2971800"/>
+            <a:ext cx="409255" cy="0"/>
+          </a:xfrm>
+          <a:prstGeom prst="straightConnector1">
+            <a:avLst/>
+          </a:prstGeom>
+          <a:ln>
+            <a:tailEnd type="triangle"/>
+          </a:ln>
+        </p:spPr>
+        <p:style>
+          <a:lnRef idx="1">
+            <a:schemeClr val="accent1"/>
+          </a:lnRef>
+          <a:fillRef idx="0">
+            <a:schemeClr val="accent1"/>
+          </a:fillRef>
+          <a:effectRef idx="0">
+            <a:schemeClr val="accent1"/>
+          </a:effectRef>
+          <a:fontRef idx="minor">
+            <a:schemeClr val="tx1"/>
+          </a:fontRef>
+        </p:style>
+      </p:cxnSp>
+      <p:cxnSp>
+        <p:nvCxnSpPr>
+          <p:cNvPr id="16" name="Straight Arrow Connector 15">
+            <a:extLst>
+              <a:ext uri="{FF2B5EF4-FFF2-40B4-BE49-F238E27FC236}">
+                <a16:creationId xmlns:a16="http://schemas.microsoft.com/office/drawing/2014/main" id="{ABE91777-B39A-DE47-BE00-1E4EF0073298}"/>
+              </a:ext>
+            </a:extLst>
+          </p:cNvPr>
+          <p:cNvCxnSpPr>
+            <a:cxnSpLocks/>
+            <a:stCxn id="6" idx="3"/>
+            <a:endCxn id="7" idx="1"/>
+          </p:cNvCxnSpPr>
+          <p:nvPr/>
+        </p:nvCxnSpPr>
+        <p:spPr>
+          <a:xfrm>
+            <a:off x="5380234" y="2971800"/>
+            <a:ext cx="417814" cy="0"/>
+          </a:xfrm>
+          <a:prstGeom prst="straightConnector1">
+            <a:avLst/>
+          </a:prstGeom>
+          <a:ln>
+            <a:tailEnd type="triangle"/>
+          </a:ln>
+        </p:spPr>
+        <p:style>
+          <a:lnRef idx="1">
+            <a:schemeClr val="accent1"/>
+          </a:lnRef>
+          <a:fillRef idx="0">
+            <a:schemeClr val="accent1"/>
+          </a:fillRef>
+          <a:effectRef idx="0">
+            <a:schemeClr val="accent1"/>
+          </a:effectRef>
+          <a:fontRef idx="minor">
+            <a:schemeClr val="tx1"/>
+          </a:fontRef>
+        </p:style>
+      </p:cxnSp>
+      <p:cxnSp>
+        <p:nvCxnSpPr>
+          <p:cNvPr id="19" name="Straight Arrow Connector 18">
+            <a:extLst>
+              <a:ext uri="{FF2B5EF4-FFF2-40B4-BE49-F238E27FC236}">
+                <a16:creationId xmlns:a16="http://schemas.microsoft.com/office/drawing/2014/main" id="{2BEC112A-6CCE-E248-A42B-FA40C959980E}"/>
+              </a:ext>
+            </a:extLst>
+          </p:cNvPr>
+          <p:cNvCxnSpPr>
+            <a:cxnSpLocks/>
+            <a:stCxn id="7" idx="3"/>
+            <a:endCxn id="8" idx="1"/>
+          </p:cNvCxnSpPr>
+          <p:nvPr/>
+        </p:nvCxnSpPr>
+        <p:spPr>
+          <a:xfrm>
+            <a:off x="7267252" y="2971800"/>
+            <a:ext cx="409253" cy="0"/>
+          </a:xfrm>
+          <a:prstGeom prst="straightConnector1">
+            <a:avLst/>
+          </a:prstGeom>
+          <a:ln>
+            <a:tailEnd type="triangle"/>
+          </a:ln>
+        </p:spPr>
+        <p:style>
+          <a:lnRef idx="1">
+            <a:schemeClr val="accent1"/>
+          </a:lnRef>
+          <a:fillRef idx="0">
+            <a:schemeClr val="accent1"/>
+          </a:fillRef>
+          <a:effectRef idx="0">
+            <a:schemeClr val="accent1"/>
+          </a:effectRef>
+          <a:fontRef idx="minor">
+            <a:schemeClr val="tx1"/>
+          </a:fontRef>
+        </p:style>
+      </p:cxnSp>
+      <p:sp>
+        <p:nvSpPr>
+          <p:cNvPr id="23" name="Rectangle 22">
+            <a:extLst>
+              <a:ext uri="{FF2B5EF4-FFF2-40B4-BE49-F238E27FC236}">
+                <a16:creationId xmlns:a16="http://schemas.microsoft.com/office/drawing/2014/main" id="{B03BB5F2-AC17-B747-AC0D-67DB1D5E3F46}"/>
+              </a:ext>
+            </a:extLst>
+          </p:cNvPr>
+          <p:cNvSpPr/>
+          <p:nvPr/>
+        </p:nvSpPr>
+        <p:spPr>
+          <a:xfrm>
+            <a:off x="9563525" y="2514600"/>
+            <a:ext cx="1469204" cy="914400"/>
+          </a:xfrm>
+          <a:prstGeom prst="rect">
+            <a:avLst/>
+          </a:prstGeom>
+        </p:spPr>
+        <p:style>
+          <a:lnRef idx="2">
+            <a:schemeClr val="accent1">
+              <a:shade val="50000"/>
+            </a:schemeClr>
+          </a:lnRef>
+          <a:fillRef idx="1">
+            <a:schemeClr val="accent1"/>
+          </a:fillRef>
+          <a:effectRef idx="0">
+            <a:schemeClr val="accent1"/>
+          </a:effectRef>
+          <a:fontRef idx="minor">
+            <a:schemeClr val="lt1"/>
+          </a:fontRef>
+        </p:style>
+        <p:txBody>
+          <a:bodyPr rtlCol="0" anchor="ctr"/>
+          <a:lstStyle/>
+          <a:p>
+            <a:pPr algn="ctr"/>
+            <a:r>
+              <a:rPr lang="en-US" dirty="0"/>
+              <a:t>Intermediate </a:t>
+            </a:r>
+            <a:r>
+              <a:rPr lang="en-US" dirty="0" err="1"/>
+              <a:t>Ondelay</a:t>
+            </a:r>
+            <a:endParaRPr lang="en-US" dirty="0"/>
+          </a:p>
+        </p:txBody>
+      </p:sp>
+      <p:cxnSp>
+        <p:nvCxnSpPr>
+          <p:cNvPr id="24" name="Straight Arrow Connector 23">
+            <a:extLst>
+              <a:ext uri="{FF2B5EF4-FFF2-40B4-BE49-F238E27FC236}">
+                <a16:creationId xmlns:a16="http://schemas.microsoft.com/office/drawing/2014/main" id="{683991A8-0EEC-404B-AAA5-33D329BC6A34}"/>
+              </a:ext>
+            </a:extLst>
+          </p:cNvPr>
+          <p:cNvCxnSpPr>
+            <a:cxnSpLocks/>
+            <a:stCxn id="8" idx="3"/>
+            <a:endCxn id="23" idx="1"/>
+          </p:cNvCxnSpPr>
+          <p:nvPr/>
+        </p:nvCxnSpPr>
+        <p:spPr>
+          <a:xfrm>
+            <a:off x="9145709" y="2971800"/>
+            <a:ext cx="417816" cy="0"/>
+          </a:xfrm>
+          <a:prstGeom prst="straightConnector1">
+            <a:avLst/>
+          </a:prstGeom>
+          <a:ln>
+            <a:tailEnd type="triangle"/>
+          </a:ln>
+        </p:spPr>
+        <p:style>
+          <a:lnRef idx="1">
+            <a:schemeClr val="accent1"/>
+          </a:lnRef>
+          <a:fillRef idx="0">
+            <a:schemeClr val="accent1"/>
+          </a:fillRef>
+          <a:effectRef idx="0">
+            <a:schemeClr val="accent1"/>
+          </a:effectRef>
+          <a:fontRef idx="minor">
+            <a:schemeClr val="tx1"/>
+          </a:fontRef>
+        </p:style>
+      </p:cxnSp>
+      <p:sp>
+        <p:nvSpPr>
+          <p:cNvPr id="27" name="Rectangle 26">
+            <a:extLst>
+              <a:ext uri="{FF2B5EF4-FFF2-40B4-BE49-F238E27FC236}">
+                <a16:creationId xmlns:a16="http://schemas.microsoft.com/office/drawing/2014/main" id="{8556498A-6403-2946-BEBC-1DE8EA631B09}"/>
+              </a:ext>
+            </a:extLst>
+          </p:cNvPr>
+          <p:cNvSpPr/>
+          <p:nvPr/>
+        </p:nvSpPr>
+        <p:spPr>
+          <a:xfrm>
+            <a:off x="11450545" y="2514600"/>
+            <a:ext cx="1469204" cy="914400"/>
+          </a:xfrm>
+          <a:prstGeom prst="rect">
+            <a:avLst/>
+          </a:prstGeom>
+        </p:spPr>
+        <p:style>
+          <a:lnRef idx="2">
+            <a:schemeClr val="accent1">
+              <a:shade val="50000"/>
+            </a:schemeClr>
+          </a:lnRef>
+          <a:fillRef idx="1">
+            <a:schemeClr val="accent1"/>
+          </a:fillRef>
+          <a:effectRef idx="0">
+            <a:schemeClr val="accent1"/>
+          </a:effectRef>
+          <a:fontRef idx="minor">
+            <a:schemeClr val="lt1"/>
+          </a:fontRef>
+        </p:style>
+        <p:txBody>
+          <a:bodyPr rtlCol="0" anchor="ctr"/>
+          <a:lstStyle/>
+          <a:p>
+            <a:pPr algn="ctr"/>
+            <a:r>
+              <a:rPr lang="en-US" dirty="0"/>
+              <a:t>Intermediate </a:t>
+            </a:r>
+            <a:r>
+              <a:rPr lang="en-US" dirty="0" err="1"/>
+              <a:t>Offdelay</a:t>
+            </a:r>
+            <a:endParaRPr lang="en-US" dirty="0"/>
+          </a:p>
+        </p:txBody>
+      </p:sp>
+      <p:cxnSp>
+        <p:nvCxnSpPr>
+          <p:cNvPr id="28" name="Straight Arrow Connector 27">
+            <a:extLst>
+              <a:ext uri="{FF2B5EF4-FFF2-40B4-BE49-F238E27FC236}">
+                <a16:creationId xmlns:a16="http://schemas.microsoft.com/office/drawing/2014/main" id="{41D7E4EB-A4FE-EB40-8A13-5E229B39B0B3}"/>
+              </a:ext>
+            </a:extLst>
+          </p:cNvPr>
+          <p:cNvCxnSpPr>
+            <a:cxnSpLocks/>
+            <a:stCxn id="23" idx="3"/>
+            <a:endCxn id="27" idx="1"/>
+          </p:cNvCxnSpPr>
+          <p:nvPr/>
+        </p:nvCxnSpPr>
+        <p:spPr>
+          <a:xfrm>
+            <a:off x="11032729" y="2971800"/>
+            <a:ext cx="417816" cy="0"/>
+          </a:xfrm>
+          <a:prstGeom prst="straightConnector1">
+            <a:avLst/>
+          </a:prstGeom>
+          <a:ln>
+            <a:tailEnd type="triangle"/>
+          </a:ln>
+        </p:spPr>
+        <p:style>
+          <a:lnRef idx="1">
+            <a:schemeClr val="accent1"/>
+          </a:lnRef>
+          <a:fillRef idx="0">
+            <a:schemeClr val="accent1"/>
+          </a:fillRef>
+          <a:effectRef idx="0">
+            <a:schemeClr val="accent1"/>
+          </a:effectRef>
+          <a:fontRef idx="minor">
+            <a:schemeClr val="tx1"/>
+          </a:fontRef>
+        </p:style>
+      </p:cxnSp>
+    </p:spTree>
+    <p:extLst>
+      <p:ext uri="{BB962C8B-B14F-4D97-AF65-F5344CB8AC3E}">
+        <p14:creationId xmlns:p14="http://schemas.microsoft.com/office/powerpoint/2010/main" val="3437744769"/>
       </p:ext>
     </p:extLst>
   </p:cSld>

--- a/docs/AlarmProcessorDiagram.pptx
+++ b/docs/AlarmProcessorDiagram.pptx
@@ -260,7 +260,7 @@
           <a:p>
             <a:fld id="{44121C14-0BBC-B04F-BD49-98C362BE0BE3}" type="datetimeFigureOut">
               <a:rPr lang="en-US" smtClean="0"/>
-              <a:t>10/26/21</a:t>
+              <a:t>12/21/2021</a:t>
             </a:fld>
             <a:endParaRPr lang="en-US"/>
           </a:p>
@@ -458,7 +458,7 @@
           <a:p>
             <a:fld id="{44121C14-0BBC-B04F-BD49-98C362BE0BE3}" type="datetimeFigureOut">
               <a:rPr lang="en-US" smtClean="0"/>
-              <a:t>10/26/21</a:t>
+              <a:t>12/21/2021</a:t>
             </a:fld>
             <a:endParaRPr lang="en-US"/>
           </a:p>
@@ -666,7 +666,7 @@
           <a:p>
             <a:fld id="{44121C14-0BBC-B04F-BD49-98C362BE0BE3}" type="datetimeFigureOut">
               <a:rPr lang="en-US" smtClean="0"/>
-              <a:t>10/26/21</a:t>
+              <a:t>12/21/2021</a:t>
             </a:fld>
             <a:endParaRPr lang="en-US"/>
           </a:p>
@@ -864,7 +864,7 @@
           <a:p>
             <a:fld id="{44121C14-0BBC-B04F-BD49-98C362BE0BE3}" type="datetimeFigureOut">
               <a:rPr lang="en-US" smtClean="0"/>
-              <a:t>10/26/21</a:t>
+              <a:t>12/21/2021</a:t>
             </a:fld>
             <a:endParaRPr lang="en-US"/>
           </a:p>
@@ -1139,7 +1139,7 @@
           <a:p>
             <a:fld id="{44121C14-0BBC-B04F-BD49-98C362BE0BE3}" type="datetimeFigureOut">
               <a:rPr lang="en-US" smtClean="0"/>
-              <a:t>10/26/21</a:t>
+              <a:t>12/21/2021</a:t>
             </a:fld>
             <a:endParaRPr lang="en-US"/>
           </a:p>
@@ -1404,7 +1404,7 @@
           <a:p>
             <a:fld id="{44121C14-0BBC-B04F-BD49-98C362BE0BE3}" type="datetimeFigureOut">
               <a:rPr lang="en-US" smtClean="0"/>
-              <a:t>10/26/21</a:t>
+              <a:t>12/21/2021</a:t>
             </a:fld>
             <a:endParaRPr lang="en-US"/>
           </a:p>
@@ -1816,7 +1816,7 @@
           <a:p>
             <a:fld id="{44121C14-0BBC-B04F-BD49-98C362BE0BE3}" type="datetimeFigureOut">
               <a:rPr lang="en-US" smtClean="0"/>
-              <a:t>10/26/21</a:t>
+              <a:t>12/21/2021</a:t>
             </a:fld>
             <a:endParaRPr lang="en-US"/>
           </a:p>
@@ -1957,7 +1957,7 @@
           <a:p>
             <a:fld id="{44121C14-0BBC-B04F-BD49-98C362BE0BE3}" type="datetimeFigureOut">
               <a:rPr lang="en-US" smtClean="0"/>
-              <a:t>10/26/21</a:t>
+              <a:t>12/21/2021</a:t>
             </a:fld>
             <a:endParaRPr lang="en-US"/>
           </a:p>
@@ -2070,7 +2070,7 @@
           <a:p>
             <a:fld id="{44121C14-0BBC-B04F-BD49-98C362BE0BE3}" type="datetimeFigureOut">
               <a:rPr lang="en-US" smtClean="0"/>
-              <a:t>10/26/21</a:t>
+              <a:t>12/21/2021</a:t>
             </a:fld>
             <a:endParaRPr lang="en-US"/>
           </a:p>
@@ -2381,7 +2381,7 @@
           <a:p>
             <a:fld id="{44121C14-0BBC-B04F-BD49-98C362BE0BE3}" type="datetimeFigureOut">
               <a:rPr lang="en-US" smtClean="0"/>
-              <a:t>10/26/21</a:t>
+              <a:t>12/21/2021</a:t>
             </a:fld>
             <a:endParaRPr lang="en-US"/>
           </a:p>
@@ -2669,7 +2669,7 @@
           <a:p>
             <a:fld id="{44121C14-0BBC-B04F-BD49-98C362BE0BE3}" type="datetimeFigureOut">
               <a:rPr lang="en-US" smtClean="0"/>
-              <a:t>10/26/21</a:t>
+              <a:t>12/21/2021</a:t>
             </a:fld>
             <a:endParaRPr lang="en-US"/>
           </a:p>
@@ -2910,7 +2910,7 @@
           <a:p>
             <a:fld id="{44121C14-0BBC-B04F-BD49-98C362BE0BE3}" type="datetimeFigureOut">
               <a:rPr lang="en-US" smtClean="0"/>
-              <a:t>10/26/21</a:t>
+              <a:t>12/21/2021</a:t>
             </a:fld>
             <a:endParaRPr lang="en-US"/>
           </a:p>
@@ -3329,10 +3329,10 @@
       </p:grpSpPr>
       <p:grpSp>
         <p:nvGrpSpPr>
-          <p:cNvPr id="28" name="Group 27">
-            <a:extLst>
-              <a:ext uri="{FF2B5EF4-FFF2-40B4-BE49-F238E27FC236}">
-                <a16:creationId xmlns:a16="http://schemas.microsoft.com/office/drawing/2014/main" id="{655504B5-6539-D94F-A6C2-4C8E77E61039}"/>
+          <p:cNvPr id="2" name="Group 1">
+            <a:extLst>
+              <a:ext uri="{FF2B5EF4-FFF2-40B4-BE49-F238E27FC236}">
+                <a16:creationId xmlns:a16="http://schemas.microsoft.com/office/drawing/2014/main" id="{E7532B49-5A48-4B4A-888F-0990D1CEC0A6}"/>
               </a:ext>
             </a:extLst>
           </p:cNvPr>
@@ -3343,16 +3343,596 @@
           <a:xfrm>
             <a:off x="2274014" y="1202938"/>
             <a:ext cx="7304925" cy="4577988"/>
-            <a:chOff x="1602769" y="1096771"/>
+            <a:chOff x="2274014" y="1202938"/>
             <a:chExt cx="7304925" cy="4577988"/>
           </a:xfrm>
         </p:grpSpPr>
+        <p:grpSp>
+          <p:nvGrpSpPr>
+            <p:cNvPr id="28" name="Group 27">
+              <a:extLst>
+                <a:ext uri="{FF2B5EF4-FFF2-40B4-BE49-F238E27FC236}">
+                  <a16:creationId xmlns:a16="http://schemas.microsoft.com/office/drawing/2014/main" id="{655504B5-6539-D94F-A6C2-4C8E77E61039}"/>
+                </a:ext>
+              </a:extLst>
+            </p:cNvPr>
+            <p:cNvGrpSpPr/>
+            <p:nvPr/>
+          </p:nvGrpSpPr>
+          <p:grpSpPr>
+            <a:xfrm>
+              <a:off x="2274014" y="1202938"/>
+              <a:ext cx="7304925" cy="4577988"/>
+              <a:chOff x="1602769" y="1096771"/>
+              <a:chExt cx="7304925" cy="4577988"/>
+            </a:xfrm>
+          </p:grpSpPr>
+          <p:sp>
+            <p:nvSpPr>
+              <p:cNvPr id="4" name="Rectangle 3">
+                <a:extLst>
+                  <a:ext uri="{FF2B5EF4-FFF2-40B4-BE49-F238E27FC236}">
+                    <a16:creationId xmlns:a16="http://schemas.microsoft.com/office/drawing/2014/main" id="{6C32D49F-68B6-CA4F-86C6-525F578A1F2E}"/>
+                  </a:ext>
+                </a:extLst>
+              </p:cNvPr>
+              <p:cNvSpPr/>
+              <p:nvPr/>
+            </p:nvSpPr>
+            <p:spPr>
+              <a:xfrm>
+                <a:off x="1602769" y="1096771"/>
+                <a:ext cx="1469204" cy="914400"/>
+              </a:xfrm>
+              <a:prstGeom prst="rect">
+                <a:avLst/>
+              </a:prstGeom>
+            </p:spPr>
+            <p:style>
+              <a:lnRef idx="2">
+                <a:schemeClr val="accent1">
+                  <a:shade val="50000"/>
+                </a:schemeClr>
+              </a:lnRef>
+              <a:fillRef idx="1">
+                <a:schemeClr val="accent1"/>
+              </a:fillRef>
+              <a:effectRef idx="0">
+                <a:schemeClr val="accent1"/>
+              </a:effectRef>
+              <a:fontRef idx="minor">
+                <a:schemeClr val="lt1"/>
+              </a:fontRef>
+            </p:style>
+            <p:txBody>
+              <a:bodyPr rtlCol="0" anchor="ctr"/>
+              <a:lstStyle/>
+              <a:p>
+                <a:pPr algn="ctr"/>
+                <a:r>
+                  <a:rPr lang="en-US" dirty="0"/>
+                  <a:t>Instances</a:t>
+                </a:r>
+              </a:p>
+            </p:txBody>
+          </p:sp>
+          <p:sp>
+            <p:nvSpPr>
+              <p:cNvPr id="5" name="Rectangle 4">
+                <a:extLst>
+                  <a:ext uri="{FF2B5EF4-FFF2-40B4-BE49-F238E27FC236}">
+                    <a16:creationId xmlns:a16="http://schemas.microsoft.com/office/drawing/2014/main" id="{19DDE83B-F1D9-CF42-BD49-A59C5B15DE06}"/>
+                  </a:ext>
+                </a:extLst>
+              </p:cNvPr>
+              <p:cNvSpPr/>
+              <p:nvPr/>
+            </p:nvSpPr>
+            <p:spPr>
+              <a:xfrm>
+                <a:off x="1607907" y="4760359"/>
+                <a:ext cx="1469204" cy="914400"/>
+              </a:xfrm>
+              <a:prstGeom prst="rect">
+                <a:avLst/>
+              </a:prstGeom>
+            </p:spPr>
+            <p:style>
+              <a:lnRef idx="2">
+                <a:schemeClr val="accent1">
+                  <a:shade val="50000"/>
+                </a:schemeClr>
+              </a:lnRef>
+              <a:fillRef idx="1">
+                <a:schemeClr val="accent1"/>
+              </a:fillRef>
+              <a:effectRef idx="0">
+                <a:schemeClr val="accent1"/>
+              </a:effectRef>
+              <a:fontRef idx="minor">
+                <a:schemeClr val="lt1"/>
+              </a:fontRef>
+            </p:style>
+            <p:txBody>
+              <a:bodyPr rtlCol="0" anchor="ctr"/>
+              <a:lstStyle/>
+              <a:p>
+                <a:pPr algn="ctr"/>
+                <a:r>
+                  <a:rPr lang="en-US" dirty="0"/>
+                  <a:t>Overrides</a:t>
+                </a:r>
+              </a:p>
+            </p:txBody>
+          </p:sp>
+          <p:sp>
+            <p:nvSpPr>
+              <p:cNvPr id="6" name="Rectangle 5">
+                <a:extLst>
+                  <a:ext uri="{FF2B5EF4-FFF2-40B4-BE49-F238E27FC236}">
+                    <a16:creationId xmlns:a16="http://schemas.microsoft.com/office/drawing/2014/main" id="{47713006-2DF3-2A45-AD00-42AE3ACC89EC}"/>
+                  </a:ext>
+                </a:extLst>
+              </p:cNvPr>
+              <p:cNvSpPr/>
+              <p:nvPr/>
+            </p:nvSpPr>
+            <p:spPr>
+              <a:xfrm>
+                <a:off x="1602769" y="3533456"/>
+                <a:ext cx="1469204" cy="914400"/>
+              </a:xfrm>
+              <a:prstGeom prst="rect">
+                <a:avLst/>
+              </a:prstGeom>
+            </p:spPr>
+            <p:style>
+              <a:lnRef idx="2">
+                <a:schemeClr val="accent1">
+                  <a:shade val="50000"/>
+                </a:schemeClr>
+              </a:lnRef>
+              <a:fillRef idx="1">
+                <a:schemeClr val="accent1"/>
+              </a:fillRef>
+              <a:effectRef idx="0">
+                <a:schemeClr val="accent1"/>
+              </a:effectRef>
+              <a:fontRef idx="minor">
+                <a:schemeClr val="lt1"/>
+              </a:fontRef>
+            </p:style>
+            <p:txBody>
+              <a:bodyPr rtlCol="0" anchor="ctr"/>
+              <a:lstStyle/>
+              <a:p>
+                <a:pPr algn="ctr"/>
+                <a:r>
+                  <a:rPr lang="en-US" dirty="0"/>
+                  <a:t>Activations</a:t>
+                </a:r>
+              </a:p>
+            </p:txBody>
+          </p:sp>
+          <p:sp>
+            <p:nvSpPr>
+              <p:cNvPr id="8" name="Rectangle 7">
+                <a:extLst>
+                  <a:ext uri="{FF2B5EF4-FFF2-40B4-BE49-F238E27FC236}">
+                    <a16:creationId xmlns:a16="http://schemas.microsoft.com/office/drawing/2014/main" id="{3EBCE072-8E6A-2E49-8F86-8F3A58427912}"/>
+                  </a:ext>
+                </a:extLst>
+              </p:cNvPr>
+              <p:cNvSpPr/>
+              <p:nvPr/>
+            </p:nvSpPr>
+            <p:spPr>
+              <a:xfrm>
+                <a:off x="7438490" y="3551434"/>
+                <a:ext cx="1469204" cy="914400"/>
+              </a:xfrm>
+              <a:prstGeom prst="rect">
+                <a:avLst/>
+              </a:prstGeom>
+            </p:spPr>
+            <p:style>
+              <a:lnRef idx="2">
+                <a:schemeClr val="accent1">
+                  <a:shade val="50000"/>
+                </a:schemeClr>
+              </a:lnRef>
+              <a:fillRef idx="1">
+                <a:schemeClr val="accent1"/>
+              </a:fillRef>
+              <a:effectRef idx="0">
+                <a:schemeClr val="accent1"/>
+              </a:effectRef>
+              <a:fontRef idx="minor">
+                <a:schemeClr val="lt1"/>
+              </a:fontRef>
+            </p:style>
+            <p:txBody>
+              <a:bodyPr rtlCol="0" anchor="ctr"/>
+              <a:lstStyle/>
+              <a:p>
+                <a:pPr algn="ctr"/>
+                <a:r>
+                  <a:rPr lang="en-US" dirty="0"/>
+                  <a:t>Effective Activations</a:t>
+                </a:r>
+              </a:p>
+            </p:txBody>
+          </p:sp>
+          <p:sp>
+            <p:nvSpPr>
+              <p:cNvPr id="9" name="Triangle 8">
+                <a:extLst>
+                  <a:ext uri="{FF2B5EF4-FFF2-40B4-BE49-F238E27FC236}">
+                    <a16:creationId xmlns:a16="http://schemas.microsoft.com/office/drawing/2014/main" id="{084547AA-3F7D-7A44-A587-C3534DAF6679}"/>
+                  </a:ext>
+                </a:extLst>
+              </p:cNvPr>
+              <p:cNvSpPr/>
+              <p:nvPr/>
+            </p:nvSpPr>
+            <p:spPr>
+              <a:xfrm>
+                <a:off x="4171308" y="2342507"/>
+                <a:ext cx="2681555" cy="1961507"/>
+              </a:xfrm>
+              <a:custGeom>
+                <a:avLst/>
+                <a:gdLst>
+                  <a:gd name="connsiteX0" fmla="*/ 0 w 2342507"/>
+                  <a:gd name="connsiteY0" fmla="*/ 1212351 h 1212351"/>
+                  <a:gd name="connsiteX1" fmla="*/ 1171254 w 2342507"/>
+                  <a:gd name="connsiteY1" fmla="*/ 0 h 1212351"/>
+                  <a:gd name="connsiteX2" fmla="*/ 2342507 w 2342507"/>
+                  <a:gd name="connsiteY2" fmla="*/ 1212351 h 1212351"/>
+                  <a:gd name="connsiteX3" fmla="*/ 0 w 2342507"/>
+                  <a:gd name="connsiteY3" fmla="*/ 1212351 h 1212351"/>
+                  <a:gd name="connsiteX0" fmla="*/ 0 w 2311685"/>
+                  <a:gd name="connsiteY0" fmla="*/ 1222625 h 1222625"/>
+                  <a:gd name="connsiteX1" fmla="*/ 1140432 w 2311685"/>
+                  <a:gd name="connsiteY1" fmla="*/ 0 h 1222625"/>
+                  <a:gd name="connsiteX2" fmla="*/ 2311685 w 2311685"/>
+                  <a:gd name="connsiteY2" fmla="*/ 1212351 h 1222625"/>
+                  <a:gd name="connsiteX3" fmla="*/ 0 w 2311685"/>
+                  <a:gd name="connsiteY3" fmla="*/ 1222625 h 1222625"/>
+                  <a:gd name="connsiteX0" fmla="*/ 0 w 2311685"/>
+                  <a:gd name="connsiteY0" fmla="*/ 1273996 h 1273996"/>
+                  <a:gd name="connsiteX1" fmla="*/ 0 w 2311685"/>
+                  <a:gd name="connsiteY1" fmla="*/ 0 h 1273996"/>
+                  <a:gd name="connsiteX2" fmla="*/ 2311685 w 2311685"/>
+                  <a:gd name="connsiteY2" fmla="*/ 1263722 h 1273996"/>
+                  <a:gd name="connsiteX3" fmla="*/ 0 w 2311685"/>
+                  <a:gd name="connsiteY3" fmla="*/ 1273996 h 1273996"/>
+                  <a:gd name="connsiteX0" fmla="*/ 0 w 2301411"/>
+                  <a:gd name="connsiteY0" fmla="*/ 1273996 h 1273996"/>
+                  <a:gd name="connsiteX1" fmla="*/ 0 w 2301411"/>
+                  <a:gd name="connsiteY1" fmla="*/ 0 h 1273996"/>
+                  <a:gd name="connsiteX2" fmla="*/ 2301411 w 2301411"/>
+                  <a:gd name="connsiteY2" fmla="*/ 708918 h 1273996"/>
+                  <a:gd name="connsiteX3" fmla="*/ 0 w 2301411"/>
+                  <a:gd name="connsiteY3" fmla="*/ 1273996 h 1273996"/>
+                  <a:gd name="connsiteX0" fmla="*/ 0 w 2527442"/>
+                  <a:gd name="connsiteY0" fmla="*/ 1273996 h 1273996"/>
+                  <a:gd name="connsiteX1" fmla="*/ 0 w 2527442"/>
+                  <a:gd name="connsiteY1" fmla="*/ 0 h 1273996"/>
+                  <a:gd name="connsiteX2" fmla="*/ 2527442 w 2527442"/>
+                  <a:gd name="connsiteY2" fmla="*/ 688369 h 1273996"/>
+                  <a:gd name="connsiteX3" fmla="*/ 0 w 2527442"/>
+                  <a:gd name="connsiteY3" fmla="*/ 1273996 h 1273996"/>
+                  <a:gd name="connsiteX0" fmla="*/ 0 w 2743200"/>
+                  <a:gd name="connsiteY0" fmla="*/ 1273996 h 1273996"/>
+                  <a:gd name="connsiteX1" fmla="*/ 0 w 2743200"/>
+                  <a:gd name="connsiteY1" fmla="*/ 0 h 1273996"/>
+                  <a:gd name="connsiteX2" fmla="*/ 2743200 w 2743200"/>
+                  <a:gd name="connsiteY2" fmla="*/ 636998 h 1273996"/>
+                  <a:gd name="connsiteX3" fmla="*/ 0 w 2743200"/>
+                  <a:gd name="connsiteY3" fmla="*/ 1273996 h 1273996"/>
+                  <a:gd name="connsiteX0" fmla="*/ 0 w 2785081"/>
+                  <a:gd name="connsiteY0" fmla="*/ 1273996 h 1273996"/>
+                  <a:gd name="connsiteX1" fmla="*/ 0 w 2785081"/>
+                  <a:gd name="connsiteY1" fmla="*/ 0 h 1273996"/>
+                  <a:gd name="connsiteX2" fmla="*/ 2785081 w 2785081"/>
+                  <a:gd name="connsiteY2" fmla="*/ 462337 h 1273996"/>
+                  <a:gd name="connsiteX3" fmla="*/ 0 w 2785081"/>
+                  <a:gd name="connsiteY3" fmla="*/ 1273996 h 1273996"/>
+                  <a:gd name="connsiteX0" fmla="*/ 0 w 2722260"/>
+                  <a:gd name="connsiteY0" fmla="*/ 1273996 h 1273996"/>
+                  <a:gd name="connsiteX1" fmla="*/ 0 w 2722260"/>
+                  <a:gd name="connsiteY1" fmla="*/ 0 h 1273996"/>
+                  <a:gd name="connsiteX2" fmla="*/ 2722260 w 2722260"/>
+                  <a:gd name="connsiteY2" fmla="*/ 678094 h 1273996"/>
+                  <a:gd name="connsiteX3" fmla="*/ 0 w 2722260"/>
+                  <a:gd name="connsiteY3" fmla="*/ 1273996 h 1273996"/>
+                  <a:gd name="connsiteX0" fmla="*/ 0 w 2732730"/>
+                  <a:gd name="connsiteY0" fmla="*/ 1273996 h 1273996"/>
+                  <a:gd name="connsiteX1" fmla="*/ 0 w 2732730"/>
+                  <a:gd name="connsiteY1" fmla="*/ 0 h 1273996"/>
+                  <a:gd name="connsiteX2" fmla="*/ 2732730 w 2732730"/>
+                  <a:gd name="connsiteY2" fmla="*/ 638056 h 1273996"/>
+                  <a:gd name="connsiteX3" fmla="*/ 0 w 2732730"/>
+                  <a:gd name="connsiteY3" fmla="*/ 1273996 h 1273996"/>
+                </a:gdLst>
+                <a:ahLst/>
+                <a:cxnLst>
+                  <a:cxn ang="0">
+                    <a:pos x="connsiteX0" y="connsiteY0"/>
+                  </a:cxn>
+                  <a:cxn ang="0">
+                    <a:pos x="connsiteX1" y="connsiteY1"/>
+                  </a:cxn>
+                  <a:cxn ang="0">
+                    <a:pos x="connsiteX2" y="connsiteY2"/>
+                  </a:cxn>
+                  <a:cxn ang="0">
+                    <a:pos x="connsiteX3" y="connsiteY3"/>
+                  </a:cxn>
+                </a:cxnLst>
+                <a:rect l="l" t="t" r="r" b="b"/>
+                <a:pathLst>
+                  <a:path w="2732730" h="1273996">
+                    <a:moveTo>
+                      <a:pt x="0" y="1273996"/>
+                    </a:moveTo>
+                    <a:lnTo>
+                      <a:pt x="0" y="0"/>
+                    </a:lnTo>
+                    <a:lnTo>
+                      <a:pt x="2732730" y="638056"/>
+                    </a:lnTo>
+                    <a:lnTo>
+                      <a:pt x="0" y="1273996"/>
+                    </a:lnTo>
+                    <a:close/>
+                  </a:path>
+                </a:pathLst>
+              </a:custGeom>
+            </p:spPr>
+            <p:style>
+              <a:lnRef idx="2">
+                <a:schemeClr val="accent1">
+                  <a:shade val="50000"/>
+                </a:schemeClr>
+              </a:lnRef>
+              <a:fillRef idx="1">
+                <a:schemeClr val="accent1"/>
+              </a:fillRef>
+              <a:effectRef idx="0">
+                <a:schemeClr val="accent1"/>
+              </a:effectRef>
+              <a:fontRef idx="minor">
+                <a:schemeClr val="lt1"/>
+              </a:fontRef>
+            </p:style>
+            <p:txBody>
+              <a:bodyPr rtlCol="0" anchor="ctr"/>
+              <a:lstStyle/>
+              <a:p>
+                <a:pPr algn="ctr"/>
+                <a:endParaRPr lang="en-US" dirty="0"/>
+              </a:p>
+            </p:txBody>
+          </p:sp>
+          <p:sp>
+            <p:nvSpPr>
+              <p:cNvPr id="10" name="TextBox 9">
+                <a:extLst>
+                  <a:ext uri="{FF2B5EF4-FFF2-40B4-BE49-F238E27FC236}">
+                    <a16:creationId xmlns:a16="http://schemas.microsoft.com/office/drawing/2014/main" id="{549ED95E-B451-724C-B547-C56EA0621A20}"/>
+                  </a:ext>
+                </a:extLst>
+              </p:cNvPr>
+              <p:cNvSpPr txBox="1"/>
+              <p:nvPr/>
+            </p:nvSpPr>
+            <p:spPr>
+              <a:xfrm>
+                <a:off x="4304872" y="3138167"/>
+                <a:ext cx="1096262" cy="369332"/>
+              </a:xfrm>
+              <a:prstGeom prst="rect">
+                <a:avLst/>
+              </a:prstGeom>
+              <a:noFill/>
+            </p:spPr>
+            <p:txBody>
+              <a:bodyPr wrap="none" rtlCol="0">
+                <a:spAutoFit/>
+              </a:bodyPr>
+              <a:lstStyle/>
+              <a:p>
+                <a:r>
+                  <a:rPr lang="en-US" dirty="0">
+                    <a:solidFill>
+                      <a:schemeClr val="bg1"/>
+                    </a:solidFill>
+                  </a:rPr>
+                  <a:t>Processor</a:t>
+                </a:r>
+              </a:p>
+            </p:txBody>
+          </p:sp>
+          <p:cxnSp>
+            <p:nvCxnSpPr>
+              <p:cNvPr id="12" name="Straight Arrow Connector 11">
+                <a:extLst>
+                  <a:ext uri="{FF2B5EF4-FFF2-40B4-BE49-F238E27FC236}">
+                    <a16:creationId xmlns:a16="http://schemas.microsoft.com/office/drawing/2014/main" id="{1E9960BB-716E-8F4C-8366-7FCD7BD47E25}"/>
+                  </a:ext>
+                </a:extLst>
+              </p:cNvPr>
+              <p:cNvCxnSpPr>
+                <a:cxnSpLocks/>
+                <a:stCxn id="4" idx="3"/>
+                <a:endCxn id="9" idx="1"/>
+              </p:cNvCxnSpPr>
+              <p:nvPr/>
+            </p:nvCxnSpPr>
+            <p:spPr>
+              <a:xfrm>
+                <a:off x="3071973" y="1553971"/>
+                <a:ext cx="1099335" cy="788536"/>
+              </a:xfrm>
+              <a:prstGeom prst="straightConnector1">
+                <a:avLst/>
+              </a:prstGeom>
+              <a:ln>
+                <a:tailEnd type="triangle"/>
+              </a:ln>
+            </p:spPr>
+            <p:style>
+              <a:lnRef idx="1">
+                <a:schemeClr val="accent1"/>
+              </a:lnRef>
+              <a:fillRef idx="0">
+                <a:schemeClr val="accent1"/>
+              </a:fillRef>
+              <a:effectRef idx="0">
+                <a:schemeClr val="accent1"/>
+              </a:effectRef>
+              <a:fontRef idx="minor">
+                <a:schemeClr val="tx1"/>
+              </a:fontRef>
+            </p:style>
+          </p:cxnSp>
+          <p:cxnSp>
+            <p:nvCxnSpPr>
+              <p:cNvPr id="14" name="Straight Arrow Connector 13">
+                <a:extLst>
+                  <a:ext uri="{FF2B5EF4-FFF2-40B4-BE49-F238E27FC236}">
+                    <a16:creationId xmlns:a16="http://schemas.microsoft.com/office/drawing/2014/main" id="{248097FF-7A02-EC46-9E3B-B01FDA8646E3}"/>
+                  </a:ext>
+                </a:extLst>
+              </p:cNvPr>
+              <p:cNvCxnSpPr>
+                <a:cxnSpLocks/>
+                <a:stCxn id="6" idx="3"/>
+              </p:cNvCxnSpPr>
+              <p:nvPr/>
+            </p:nvCxnSpPr>
+            <p:spPr>
+              <a:xfrm>
+                <a:off x="3071973" y="3990656"/>
+                <a:ext cx="1099335" cy="0"/>
+              </a:xfrm>
+              <a:prstGeom prst="straightConnector1">
+                <a:avLst/>
+              </a:prstGeom>
+              <a:ln>
+                <a:tailEnd type="triangle"/>
+              </a:ln>
+            </p:spPr>
+            <p:style>
+              <a:lnRef idx="1">
+                <a:schemeClr val="accent1"/>
+              </a:lnRef>
+              <a:fillRef idx="0">
+                <a:schemeClr val="accent1"/>
+              </a:fillRef>
+              <a:effectRef idx="0">
+                <a:schemeClr val="accent1"/>
+              </a:effectRef>
+              <a:fontRef idx="minor">
+                <a:schemeClr val="tx1"/>
+              </a:fontRef>
+            </p:style>
+          </p:cxnSp>
+          <p:cxnSp>
+            <p:nvCxnSpPr>
+              <p:cNvPr id="18" name="Straight Arrow Connector 17">
+                <a:extLst>
+                  <a:ext uri="{FF2B5EF4-FFF2-40B4-BE49-F238E27FC236}">
+                    <a16:creationId xmlns:a16="http://schemas.microsoft.com/office/drawing/2014/main" id="{FF060367-38DC-2348-89BB-9F2242238C7F}"/>
+                  </a:ext>
+                </a:extLst>
+              </p:cNvPr>
+              <p:cNvCxnSpPr>
+                <a:cxnSpLocks/>
+                <a:stCxn id="5" idx="3"/>
+                <a:endCxn id="9" idx="0"/>
+              </p:cNvCxnSpPr>
+              <p:nvPr/>
+            </p:nvCxnSpPr>
+            <p:spPr>
+              <a:xfrm flipV="1">
+                <a:off x="3077111" y="4304014"/>
+                <a:ext cx="1094197" cy="913545"/>
+              </a:xfrm>
+              <a:prstGeom prst="straightConnector1">
+                <a:avLst/>
+              </a:prstGeom>
+              <a:ln>
+                <a:tailEnd type="triangle"/>
+              </a:ln>
+            </p:spPr>
+            <p:style>
+              <a:lnRef idx="1">
+                <a:schemeClr val="accent1"/>
+              </a:lnRef>
+              <a:fillRef idx="0">
+                <a:schemeClr val="accent1"/>
+              </a:fillRef>
+              <a:effectRef idx="0">
+                <a:schemeClr val="accent1"/>
+              </a:effectRef>
+              <a:fontRef idx="minor">
+                <a:schemeClr val="tx1"/>
+              </a:fontRef>
+            </p:style>
+          </p:cxnSp>
+          <p:cxnSp>
+            <p:nvCxnSpPr>
+              <p:cNvPr id="23" name="Straight Arrow Connector 22">
+                <a:extLst>
+                  <a:ext uri="{FF2B5EF4-FFF2-40B4-BE49-F238E27FC236}">
+                    <a16:creationId xmlns:a16="http://schemas.microsoft.com/office/drawing/2014/main" id="{BAA97AAC-83A8-2B4B-A7B8-1CFC8BDB7371}"/>
+                  </a:ext>
+                </a:extLst>
+              </p:cNvPr>
+              <p:cNvCxnSpPr>
+                <a:cxnSpLocks/>
+                <a:stCxn id="9" idx="2"/>
+                <a:endCxn id="8" idx="1"/>
+              </p:cNvCxnSpPr>
+              <p:nvPr/>
+            </p:nvCxnSpPr>
+            <p:spPr>
+              <a:xfrm>
+                <a:off x="6852863" y="3324889"/>
+                <a:ext cx="585627" cy="683745"/>
+              </a:xfrm>
+              <a:prstGeom prst="straightConnector1">
+                <a:avLst/>
+              </a:prstGeom>
+              <a:ln>
+                <a:tailEnd type="triangle"/>
+              </a:ln>
+            </p:spPr>
+            <p:style>
+              <a:lnRef idx="1">
+                <a:schemeClr val="accent1"/>
+              </a:lnRef>
+              <a:fillRef idx="0">
+                <a:schemeClr val="accent1"/>
+              </a:fillRef>
+              <a:effectRef idx="0">
+                <a:schemeClr val="accent1"/>
+              </a:effectRef>
+              <a:fontRef idx="minor">
+                <a:schemeClr val="tx1"/>
+              </a:fontRef>
+            </p:style>
+          </p:cxnSp>
+        </p:grpSp>
         <p:sp>
           <p:nvSpPr>
-            <p:cNvPr id="4" name="Rectangle 3">
+            <p:cNvPr id="13" name="Rectangle 12">
               <a:extLst>
                 <a:ext uri="{FF2B5EF4-FFF2-40B4-BE49-F238E27FC236}">
-                  <a16:creationId xmlns:a16="http://schemas.microsoft.com/office/drawing/2014/main" id="{6C32D49F-68B6-CA4F-86C6-525F578A1F2E}"/>
+                  <a16:creationId xmlns:a16="http://schemas.microsoft.com/office/drawing/2014/main" id="{FBA9F7AB-971C-8840-B825-D0C3BC5044EC}"/>
                 </a:ext>
               </a:extLst>
             </p:cNvPr>
@@ -3361,7 +3941,7 @@
           </p:nvSpPr>
           <p:spPr>
             <a:xfrm>
-              <a:off x="1602769" y="1096771"/>
+              <a:off x="2274014" y="2349359"/>
               <a:ext cx="1469204" cy="914400"/>
             </a:xfrm>
             <a:prstGeom prst="rect">
@@ -3391,17 +3971,101 @@
               <a:pPr algn="ctr"/>
               <a:r>
                 <a:rPr lang="en-US" dirty="0"/>
-                <a:t>Registrations</a:t>
+                <a:t>Classes</a:t>
               </a:r>
             </a:p>
           </p:txBody>
         </p:sp>
+        <p:cxnSp>
+          <p:nvCxnSpPr>
+            <p:cNvPr id="24" name="Straight Arrow Connector 23">
+              <a:extLst>
+                <a:ext uri="{FF2B5EF4-FFF2-40B4-BE49-F238E27FC236}">
+                  <a16:creationId xmlns:a16="http://schemas.microsoft.com/office/drawing/2014/main" id="{0E5A1AA1-C71D-B141-9F43-8A2C43DF3ABB}"/>
+                </a:ext>
+              </a:extLst>
+            </p:cNvPr>
+            <p:cNvCxnSpPr>
+              <a:cxnSpLocks/>
+              <a:endCxn id="22" idx="1"/>
+            </p:cNvCxnSpPr>
+            <p:nvPr/>
+          </p:nvCxnSpPr>
+          <p:spPr>
+            <a:xfrm flipV="1">
+              <a:off x="7524108" y="2743199"/>
+              <a:ext cx="585627" cy="683746"/>
+            </a:xfrm>
+            <a:prstGeom prst="straightConnector1">
+              <a:avLst/>
+            </a:prstGeom>
+            <a:ln>
+              <a:tailEnd type="triangle"/>
+            </a:ln>
+          </p:spPr>
+          <p:style>
+            <a:lnRef idx="1">
+              <a:schemeClr val="accent1"/>
+            </a:lnRef>
+            <a:fillRef idx="0">
+              <a:schemeClr val="accent1"/>
+            </a:fillRef>
+            <a:effectRef idx="0">
+              <a:schemeClr val="accent1"/>
+            </a:effectRef>
+            <a:fontRef idx="minor">
+              <a:schemeClr val="tx1"/>
+            </a:fontRef>
+          </p:style>
+        </p:cxnSp>
+        <p:cxnSp>
+          <p:nvCxnSpPr>
+            <p:cNvPr id="16" name="Straight Arrow Connector 15">
+              <a:extLst>
+                <a:ext uri="{FF2B5EF4-FFF2-40B4-BE49-F238E27FC236}">
+                  <a16:creationId xmlns:a16="http://schemas.microsoft.com/office/drawing/2014/main" id="{A67E172A-DA8D-6B4F-B9A5-221B7DFC3C37}"/>
+                </a:ext>
+              </a:extLst>
+            </p:cNvPr>
+            <p:cNvCxnSpPr>
+              <a:cxnSpLocks/>
+              <a:stCxn id="13" idx="3"/>
+            </p:cNvCxnSpPr>
+            <p:nvPr/>
+          </p:nvCxnSpPr>
+          <p:spPr>
+            <a:xfrm>
+              <a:off x="3743218" y="2806559"/>
+              <a:ext cx="1097622" cy="0"/>
+            </a:xfrm>
+            <a:prstGeom prst="straightConnector1">
+              <a:avLst/>
+            </a:prstGeom>
+            <a:ln>
+              <a:tailEnd type="triangle"/>
+            </a:ln>
+          </p:spPr>
+          <p:style>
+            <a:lnRef idx="1">
+              <a:schemeClr val="accent1"/>
+            </a:lnRef>
+            <a:fillRef idx="0">
+              <a:schemeClr val="accent1"/>
+            </a:fillRef>
+            <a:effectRef idx="0">
+              <a:schemeClr val="accent1"/>
+            </a:effectRef>
+            <a:fontRef idx="minor">
+              <a:schemeClr val="tx1"/>
+            </a:fontRef>
+          </p:style>
+        </p:cxnSp>
         <p:sp>
           <p:nvSpPr>
-            <p:cNvPr id="5" name="Rectangle 4">
+            <p:cNvPr id="22" name="Rectangle 21">
               <a:extLst>
                 <a:ext uri="{FF2B5EF4-FFF2-40B4-BE49-F238E27FC236}">
-                  <a16:creationId xmlns:a16="http://schemas.microsoft.com/office/drawing/2014/main" id="{19DDE83B-F1D9-CF42-BD49-A59C5B15DE06}"/>
+                  <a16:creationId xmlns:a16="http://schemas.microsoft.com/office/drawing/2014/main" id="{C5E9FE0F-6410-D849-AFCE-83520A116BC0}"/>
                 </a:ext>
               </a:extLst>
             </p:cNvPr>
@@ -3410,7 +4074,7 @@
           </p:nvSpPr>
           <p:spPr>
             <a:xfrm>
-              <a:off x="1607907" y="4760359"/>
+              <a:off x="8109735" y="2285999"/>
               <a:ext cx="1469204" cy="914400"/>
             </a:xfrm>
             <a:prstGeom prst="rect">
@@ -3440,655 +4104,12 @@
               <a:pPr algn="ctr"/>
               <a:r>
                 <a:rPr lang="en-US" dirty="0"/>
-                <a:t>Overrides</a:t>
+                <a:t>Effective Registrations</a:t>
               </a:r>
             </a:p>
           </p:txBody>
         </p:sp>
-        <p:sp>
-          <p:nvSpPr>
-            <p:cNvPr id="6" name="Rectangle 5">
-              <a:extLst>
-                <a:ext uri="{FF2B5EF4-FFF2-40B4-BE49-F238E27FC236}">
-                  <a16:creationId xmlns:a16="http://schemas.microsoft.com/office/drawing/2014/main" id="{47713006-2DF3-2A45-AD00-42AE3ACC89EC}"/>
-                </a:ext>
-              </a:extLst>
-            </p:cNvPr>
-            <p:cNvSpPr/>
-            <p:nvPr/>
-          </p:nvSpPr>
-          <p:spPr>
-            <a:xfrm>
-              <a:off x="1602769" y="3533456"/>
-              <a:ext cx="1469204" cy="914400"/>
-            </a:xfrm>
-            <a:prstGeom prst="rect">
-              <a:avLst/>
-            </a:prstGeom>
-          </p:spPr>
-          <p:style>
-            <a:lnRef idx="2">
-              <a:schemeClr val="accent1">
-                <a:shade val="50000"/>
-              </a:schemeClr>
-            </a:lnRef>
-            <a:fillRef idx="1">
-              <a:schemeClr val="accent1"/>
-            </a:fillRef>
-            <a:effectRef idx="0">
-              <a:schemeClr val="accent1"/>
-            </a:effectRef>
-            <a:fontRef idx="minor">
-              <a:schemeClr val="lt1"/>
-            </a:fontRef>
-          </p:style>
-          <p:txBody>
-            <a:bodyPr rtlCol="0" anchor="ctr"/>
-            <a:lstStyle/>
-            <a:p>
-              <a:pPr algn="ctr"/>
-              <a:r>
-                <a:rPr lang="en-US" dirty="0"/>
-                <a:t>Activations</a:t>
-              </a:r>
-            </a:p>
-          </p:txBody>
-        </p:sp>
-        <p:sp>
-          <p:nvSpPr>
-            <p:cNvPr id="8" name="Rectangle 7">
-              <a:extLst>
-                <a:ext uri="{FF2B5EF4-FFF2-40B4-BE49-F238E27FC236}">
-                  <a16:creationId xmlns:a16="http://schemas.microsoft.com/office/drawing/2014/main" id="{3EBCE072-8E6A-2E49-8F86-8F3A58427912}"/>
-                </a:ext>
-              </a:extLst>
-            </p:cNvPr>
-            <p:cNvSpPr/>
-            <p:nvPr/>
-          </p:nvSpPr>
-          <p:spPr>
-            <a:xfrm>
-              <a:off x="7438490" y="3551434"/>
-              <a:ext cx="1469204" cy="914400"/>
-            </a:xfrm>
-            <a:prstGeom prst="rect">
-              <a:avLst/>
-            </a:prstGeom>
-          </p:spPr>
-          <p:style>
-            <a:lnRef idx="2">
-              <a:schemeClr val="accent1">
-                <a:shade val="50000"/>
-              </a:schemeClr>
-            </a:lnRef>
-            <a:fillRef idx="1">
-              <a:schemeClr val="accent1"/>
-            </a:fillRef>
-            <a:effectRef idx="0">
-              <a:schemeClr val="accent1"/>
-            </a:effectRef>
-            <a:fontRef idx="minor">
-              <a:schemeClr val="lt1"/>
-            </a:fontRef>
-          </p:style>
-          <p:txBody>
-            <a:bodyPr rtlCol="0" anchor="ctr"/>
-            <a:lstStyle/>
-            <a:p>
-              <a:pPr algn="ctr"/>
-              <a:r>
-                <a:rPr lang="en-US" dirty="0"/>
-                <a:t>Effective Activations</a:t>
-              </a:r>
-            </a:p>
-          </p:txBody>
-        </p:sp>
-        <p:sp>
-          <p:nvSpPr>
-            <p:cNvPr id="9" name="Triangle 8">
-              <a:extLst>
-                <a:ext uri="{FF2B5EF4-FFF2-40B4-BE49-F238E27FC236}">
-                  <a16:creationId xmlns:a16="http://schemas.microsoft.com/office/drawing/2014/main" id="{084547AA-3F7D-7A44-A587-C3534DAF6679}"/>
-                </a:ext>
-              </a:extLst>
-            </p:cNvPr>
-            <p:cNvSpPr/>
-            <p:nvPr/>
-          </p:nvSpPr>
-          <p:spPr>
-            <a:xfrm>
-              <a:off x="4171308" y="2342507"/>
-              <a:ext cx="2681555" cy="1961507"/>
-            </a:xfrm>
-            <a:custGeom>
-              <a:avLst/>
-              <a:gdLst>
-                <a:gd name="connsiteX0" fmla="*/ 0 w 2342507"/>
-                <a:gd name="connsiteY0" fmla="*/ 1212351 h 1212351"/>
-                <a:gd name="connsiteX1" fmla="*/ 1171254 w 2342507"/>
-                <a:gd name="connsiteY1" fmla="*/ 0 h 1212351"/>
-                <a:gd name="connsiteX2" fmla="*/ 2342507 w 2342507"/>
-                <a:gd name="connsiteY2" fmla="*/ 1212351 h 1212351"/>
-                <a:gd name="connsiteX3" fmla="*/ 0 w 2342507"/>
-                <a:gd name="connsiteY3" fmla="*/ 1212351 h 1212351"/>
-                <a:gd name="connsiteX0" fmla="*/ 0 w 2311685"/>
-                <a:gd name="connsiteY0" fmla="*/ 1222625 h 1222625"/>
-                <a:gd name="connsiteX1" fmla="*/ 1140432 w 2311685"/>
-                <a:gd name="connsiteY1" fmla="*/ 0 h 1222625"/>
-                <a:gd name="connsiteX2" fmla="*/ 2311685 w 2311685"/>
-                <a:gd name="connsiteY2" fmla="*/ 1212351 h 1222625"/>
-                <a:gd name="connsiteX3" fmla="*/ 0 w 2311685"/>
-                <a:gd name="connsiteY3" fmla="*/ 1222625 h 1222625"/>
-                <a:gd name="connsiteX0" fmla="*/ 0 w 2311685"/>
-                <a:gd name="connsiteY0" fmla="*/ 1273996 h 1273996"/>
-                <a:gd name="connsiteX1" fmla="*/ 0 w 2311685"/>
-                <a:gd name="connsiteY1" fmla="*/ 0 h 1273996"/>
-                <a:gd name="connsiteX2" fmla="*/ 2311685 w 2311685"/>
-                <a:gd name="connsiteY2" fmla="*/ 1263722 h 1273996"/>
-                <a:gd name="connsiteX3" fmla="*/ 0 w 2311685"/>
-                <a:gd name="connsiteY3" fmla="*/ 1273996 h 1273996"/>
-                <a:gd name="connsiteX0" fmla="*/ 0 w 2301411"/>
-                <a:gd name="connsiteY0" fmla="*/ 1273996 h 1273996"/>
-                <a:gd name="connsiteX1" fmla="*/ 0 w 2301411"/>
-                <a:gd name="connsiteY1" fmla="*/ 0 h 1273996"/>
-                <a:gd name="connsiteX2" fmla="*/ 2301411 w 2301411"/>
-                <a:gd name="connsiteY2" fmla="*/ 708918 h 1273996"/>
-                <a:gd name="connsiteX3" fmla="*/ 0 w 2301411"/>
-                <a:gd name="connsiteY3" fmla="*/ 1273996 h 1273996"/>
-                <a:gd name="connsiteX0" fmla="*/ 0 w 2527442"/>
-                <a:gd name="connsiteY0" fmla="*/ 1273996 h 1273996"/>
-                <a:gd name="connsiteX1" fmla="*/ 0 w 2527442"/>
-                <a:gd name="connsiteY1" fmla="*/ 0 h 1273996"/>
-                <a:gd name="connsiteX2" fmla="*/ 2527442 w 2527442"/>
-                <a:gd name="connsiteY2" fmla="*/ 688369 h 1273996"/>
-                <a:gd name="connsiteX3" fmla="*/ 0 w 2527442"/>
-                <a:gd name="connsiteY3" fmla="*/ 1273996 h 1273996"/>
-                <a:gd name="connsiteX0" fmla="*/ 0 w 2743200"/>
-                <a:gd name="connsiteY0" fmla="*/ 1273996 h 1273996"/>
-                <a:gd name="connsiteX1" fmla="*/ 0 w 2743200"/>
-                <a:gd name="connsiteY1" fmla="*/ 0 h 1273996"/>
-                <a:gd name="connsiteX2" fmla="*/ 2743200 w 2743200"/>
-                <a:gd name="connsiteY2" fmla="*/ 636998 h 1273996"/>
-                <a:gd name="connsiteX3" fmla="*/ 0 w 2743200"/>
-                <a:gd name="connsiteY3" fmla="*/ 1273996 h 1273996"/>
-                <a:gd name="connsiteX0" fmla="*/ 0 w 2785081"/>
-                <a:gd name="connsiteY0" fmla="*/ 1273996 h 1273996"/>
-                <a:gd name="connsiteX1" fmla="*/ 0 w 2785081"/>
-                <a:gd name="connsiteY1" fmla="*/ 0 h 1273996"/>
-                <a:gd name="connsiteX2" fmla="*/ 2785081 w 2785081"/>
-                <a:gd name="connsiteY2" fmla="*/ 462337 h 1273996"/>
-                <a:gd name="connsiteX3" fmla="*/ 0 w 2785081"/>
-                <a:gd name="connsiteY3" fmla="*/ 1273996 h 1273996"/>
-                <a:gd name="connsiteX0" fmla="*/ 0 w 2722260"/>
-                <a:gd name="connsiteY0" fmla="*/ 1273996 h 1273996"/>
-                <a:gd name="connsiteX1" fmla="*/ 0 w 2722260"/>
-                <a:gd name="connsiteY1" fmla="*/ 0 h 1273996"/>
-                <a:gd name="connsiteX2" fmla="*/ 2722260 w 2722260"/>
-                <a:gd name="connsiteY2" fmla="*/ 678094 h 1273996"/>
-                <a:gd name="connsiteX3" fmla="*/ 0 w 2722260"/>
-                <a:gd name="connsiteY3" fmla="*/ 1273996 h 1273996"/>
-                <a:gd name="connsiteX0" fmla="*/ 0 w 2732730"/>
-                <a:gd name="connsiteY0" fmla="*/ 1273996 h 1273996"/>
-                <a:gd name="connsiteX1" fmla="*/ 0 w 2732730"/>
-                <a:gd name="connsiteY1" fmla="*/ 0 h 1273996"/>
-                <a:gd name="connsiteX2" fmla="*/ 2732730 w 2732730"/>
-                <a:gd name="connsiteY2" fmla="*/ 638056 h 1273996"/>
-                <a:gd name="connsiteX3" fmla="*/ 0 w 2732730"/>
-                <a:gd name="connsiteY3" fmla="*/ 1273996 h 1273996"/>
-              </a:gdLst>
-              <a:ahLst/>
-              <a:cxnLst>
-                <a:cxn ang="0">
-                  <a:pos x="connsiteX0" y="connsiteY0"/>
-                </a:cxn>
-                <a:cxn ang="0">
-                  <a:pos x="connsiteX1" y="connsiteY1"/>
-                </a:cxn>
-                <a:cxn ang="0">
-                  <a:pos x="connsiteX2" y="connsiteY2"/>
-                </a:cxn>
-                <a:cxn ang="0">
-                  <a:pos x="connsiteX3" y="connsiteY3"/>
-                </a:cxn>
-              </a:cxnLst>
-              <a:rect l="l" t="t" r="r" b="b"/>
-              <a:pathLst>
-                <a:path w="2732730" h="1273996">
-                  <a:moveTo>
-                    <a:pt x="0" y="1273996"/>
-                  </a:moveTo>
-                  <a:lnTo>
-                    <a:pt x="0" y="0"/>
-                  </a:lnTo>
-                  <a:lnTo>
-                    <a:pt x="2732730" y="638056"/>
-                  </a:lnTo>
-                  <a:lnTo>
-                    <a:pt x="0" y="1273996"/>
-                  </a:lnTo>
-                  <a:close/>
-                </a:path>
-              </a:pathLst>
-            </a:custGeom>
-          </p:spPr>
-          <p:style>
-            <a:lnRef idx="2">
-              <a:schemeClr val="accent1">
-                <a:shade val="50000"/>
-              </a:schemeClr>
-            </a:lnRef>
-            <a:fillRef idx="1">
-              <a:schemeClr val="accent1"/>
-            </a:fillRef>
-            <a:effectRef idx="0">
-              <a:schemeClr val="accent1"/>
-            </a:effectRef>
-            <a:fontRef idx="minor">
-              <a:schemeClr val="lt1"/>
-            </a:fontRef>
-          </p:style>
-          <p:txBody>
-            <a:bodyPr rtlCol="0" anchor="ctr"/>
-            <a:lstStyle/>
-            <a:p>
-              <a:pPr algn="ctr"/>
-              <a:endParaRPr lang="en-US" dirty="0"/>
-            </a:p>
-          </p:txBody>
-        </p:sp>
-        <p:sp>
-          <p:nvSpPr>
-            <p:cNvPr id="10" name="TextBox 9">
-              <a:extLst>
-                <a:ext uri="{FF2B5EF4-FFF2-40B4-BE49-F238E27FC236}">
-                  <a16:creationId xmlns:a16="http://schemas.microsoft.com/office/drawing/2014/main" id="{549ED95E-B451-724C-B547-C56EA0621A20}"/>
-                </a:ext>
-              </a:extLst>
-            </p:cNvPr>
-            <p:cNvSpPr txBox="1"/>
-            <p:nvPr/>
-          </p:nvSpPr>
-          <p:spPr>
-            <a:xfrm>
-              <a:off x="4304872" y="3138167"/>
-              <a:ext cx="1096262" cy="369332"/>
-            </a:xfrm>
-            <a:prstGeom prst="rect">
-              <a:avLst/>
-            </a:prstGeom>
-            <a:noFill/>
-          </p:spPr>
-          <p:txBody>
-            <a:bodyPr wrap="none" rtlCol="0">
-              <a:spAutoFit/>
-            </a:bodyPr>
-            <a:lstStyle/>
-            <a:p>
-              <a:r>
-                <a:rPr lang="en-US" dirty="0">
-                  <a:solidFill>
-                    <a:schemeClr val="bg1"/>
-                  </a:solidFill>
-                </a:rPr>
-                <a:t>Processor</a:t>
-              </a:r>
-            </a:p>
-          </p:txBody>
-        </p:sp>
-        <p:cxnSp>
-          <p:nvCxnSpPr>
-            <p:cNvPr id="12" name="Straight Arrow Connector 11">
-              <a:extLst>
-                <a:ext uri="{FF2B5EF4-FFF2-40B4-BE49-F238E27FC236}">
-                  <a16:creationId xmlns:a16="http://schemas.microsoft.com/office/drawing/2014/main" id="{1E9960BB-716E-8F4C-8366-7FCD7BD47E25}"/>
-                </a:ext>
-              </a:extLst>
-            </p:cNvPr>
-            <p:cNvCxnSpPr>
-              <a:cxnSpLocks/>
-              <a:stCxn id="4" idx="3"/>
-              <a:endCxn id="9" idx="1"/>
-            </p:cNvCxnSpPr>
-            <p:nvPr/>
-          </p:nvCxnSpPr>
-          <p:spPr>
-            <a:xfrm>
-              <a:off x="3071973" y="1553971"/>
-              <a:ext cx="1099335" cy="788536"/>
-            </a:xfrm>
-            <a:prstGeom prst="straightConnector1">
-              <a:avLst/>
-            </a:prstGeom>
-            <a:ln>
-              <a:tailEnd type="triangle"/>
-            </a:ln>
-          </p:spPr>
-          <p:style>
-            <a:lnRef idx="1">
-              <a:schemeClr val="accent1"/>
-            </a:lnRef>
-            <a:fillRef idx="0">
-              <a:schemeClr val="accent1"/>
-            </a:fillRef>
-            <a:effectRef idx="0">
-              <a:schemeClr val="accent1"/>
-            </a:effectRef>
-            <a:fontRef idx="minor">
-              <a:schemeClr val="tx1"/>
-            </a:fontRef>
-          </p:style>
-        </p:cxnSp>
-        <p:cxnSp>
-          <p:nvCxnSpPr>
-            <p:cNvPr id="14" name="Straight Arrow Connector 13">
-              <a:extLst>
-                <a:ext uri="{FF2B5EF4-FFF2-40B4-BE49-F238E27FC236}">
-                  <a16:creationId xmlns:a16="http://schemas.microsoft.com/office/drawing/2014/main" id="{248097FF-7A02-EC46-9E3B-B01FDA8646E3}"/>
-                </a:ext>
-              </a:extLst>
-            </p:cNvPr>
-            <p:cNvCxnSpPr>
-              <a:cxnSpLocks/>
-              <a:stCxn id="6" idx="3"/>
-            </p:cNvCxnSpPr>
-            <p:nvPr/>
-          </p:nvCxnSpPr>
-          <p:spPr>
-            <a:xfrm>
-              <a:off x="3071973" y="3990656"/>
-              <a:ext cx="1099335" cy="0"/>
-            </a:xfrm>
-            <a:prstGeom prst="straightConnector1">
-              <a:avLst/>
-            </a:prstGeom>
-            <a:ln>
-              <a:tailEnd type="triangle"/>
-            </a:ln>
-          </p:spPr>
-          <p:style>
-            <a:lnRef idx="1">
-              <a:schemeClr val="accent1"/>
-            </a:lnRef>
-            <a:fillRef idx="0">
-              <a:schemeClr val="accent1"/>
-            </a:fillRef>
-            <a:effectRef idx="0">
-              <a:schemeClr val="accent1"/>
-            </a:effectRef>
-            <a:fontRef idx="minor">
-              <a:schemeClr val="tx1"/>
-            </a:fontRef>
-          </p:style>
-        </p:cxnSp>
-        <p:cxnSp>
-          <p:nvCxnSpPr>
-            <p:cNvPr id="18" name="Straight Arrow Connector 17">
-              <a:extLst>
-                <a:ext uri="{FF2B5EF4-FFF2-40B4-BE49-F238E27FC236}">
-                  <a16:creationId xmlns:a16="http://schemas.microsoft.com/office/drawing/2014/main" id="{FF060367-38DC-2348-89BB-9F2242238C7F}"/>
-                </a:ext>
-              </a:extLst>
-            </p:cNvPr>
-            <p:cNvCxnSpPr>
-              <a:cxnSpLocks/>
-              <a:stCxn id="5" idx="3"/>
-              <a:endCxn id="9" idx="0"/>
-            </p:cNvCxnSpPr>
-            <p:nvPr/>
-          </p:nvCxnSpPr>
-          <p:spPr>
-            <a:xfrm flipV="1">
-              <a:off x="3077111" y="4304014"/>
-              <a:ext cx="1094197" cy="913545"/>
-            </a:xfrm>
-            <a:prstGeom prst="straightConnector1">
-              <a:avLst/>
-            </a:prstGeom>
-            <a:ln>
-              <a:tailEnd type="triangle"/>
-            </a:ln>
-          </p:spPr>
-          <p:style>
-            <a:lnRef idx="1">
-              <a:schemeClr val="accent1"/>
-            </a:lnRef>
-            <a:fillRef idx="0">
-              <a:schemeClr val="accent1"/>
-            </a:fillRef>
-            <a:effectRef idx="0">
-              <a:schemeClr val="accent1"/>
-            </a:effectRef>
-            <a:fontRef idx="minor">
-              <a:schemeClr val="tx1"/>
-            </a:fontRef>
-          </p:style>
-        </p:cxnSp>
-        <p:cxnSp>
-          <p:nvCxnSpPr>
-            <p:cNvPr id="23" name="Straight Arrow Connector 22">
-              <a:extLst>
-                <a:ext uri="{FF2B5EF4-FFF2-40B4-BE49-F238E27FC236}">
-                  <a16:creationId xmlns:a16="http://schemas.microsoft.com/office/drawing/2014/main" id="{BAA97AAC-83A8-2B4B-A7B8-1CFC8BDB7371}"/>
-                </a:ext>
-              </a:extLst>
-            </p:cNvPr>
-            <p:cNvCxnSpPr>
-              <a:cxnSpLocks/>
-              <a:stCxn id="9" idx="2"/>
-              <a:endCxn id="8" idx="1"/>
-            </p:cNvCxnSpPr>
-            <p:nvPr/>
-          </p:nvCxnSpPr>
-          <p:spPr>
-            <a:xfrm>
-              <a:off x="6852863" y="3324889"/>
-              <a:ext cx="585627" cy="683745"/>
-            </a:xfrm>
-            <a:prstGeom prst="straightConnector1">
-              <a:avLst/>
-            </a:prstGeom>
-            <a:ln>
-              <a:tailEnd type="triangle"/>
-            </a:ln>
-          </p:spPr>
-          <p:style>
-            <a:lnRef idx="1">
-              <a:schemeClr val="accent1"/>
-            </a:lnRef>
-            <a:fillRef idx="0">
-              <a:schemeClr val="accent1"/>
-            </a:fillRef>
-            <a:effectRef idx="0">
-              <a:schemeClr val="accent1"/>
-            </a:effectRef>
-            <a:fontRef idx="minor">
-              <a:schemeClr val="tx1"/>
-            </a:fontRef>
-          </p:style>
-        </p:cxnSp>
       </p:grpSp>
-      <p:sp>
-        <p:nvSpPr>
-          <p:cNvPr id="13" name="Rectangle 12">
-            <a:extLst>
-              <a:ext uri="{FF2B5EF4-FFF2-40B4-BE49-F238E27FC236}">
-                <a16:creationId xmlns:a16="http://schemas.microsoft.com/office/drawing/2014/main" id="{FBA9F7AB-971C-8840-B825-D0C3BC5044EC}"/>
-              </a:ext>
-            </a:extLst>
-          </p:cNvPr>
-          <p:cNvSpPr/>
-          <p:nvPr/>
-        </p:nvSpPr>
-        <p:spPr>
-          <a:xfrm>
-            <a:off x="2274014" y="2349359"/>
-            <a:ext cx="1469204" cy="914400"/>
-          </a:xfrm>
-          <a:prstGeom prst="rect">
-            <a:avLst/>
-          </a:prstGeom>
-        </p:spPr>
-        <p:style>
-          <a:lnRef idx="2">
-            <a:schemeClr val="accent1">
-              <a:shade val="50000"/>
-            </a:schemeClr>
-          </a:lnRef>
-          <a:fillRef idx="1">
-            <a:schemeClr val="accent1"/>
-          </a:fillRef>
-          <a:effectRef idx="0">
-            <a:schemeClr val="accent1"/>
-          </a:effectRef>
-          <a:fontRef idx="minor">
-            <a:schemeClr val="lt1"/>
-          </a:fontRef>
-        </p:style>
-        <p:txBody>
-          <a:bodyPr rtlCol="0" anchor="ctr"/>
-          <a:lstStyle/>
-          <a:p>
-            <a:pPr algn="ctr"/>
-            <a:r>
-              <a:rPr lang="en-US" dirty="0"/>
-              <a:t>Classes</a:t>
-            </a:r>
-          </a:p>
-        </p:txBody>
-      </p:sp>
-      <p:cxnSp>
-        <p:nvCxnSpPr>
-          <p:cNvPr id="16" name="Straight Arrow Connector 15">
-            <a:extLst>
-              <a:ext uri="{FF2B5EF4-FFF2-40B4-BE49-F238E27FC236}">
-                <a16:creationId xmlns:a16="http://schemas.microsoft.com/office/drawing/2014/main" id="{A67E172A-DA8D-6B4F-B9A5-221B7DFC3C37}"/>
-              </a:ext>
-            </a:extLst>
-          </p:cNvPr>
-          <p:cNvCxnSpPr>
-            <a:cxnSpLocks/>
-            <a:stCxn id="13" idx="3"/>
-          </p:cNvCxnSpPr>
-          <p:nvPr/>
-        </p:nvCxnSpPr>
-        <p:spPr>
-          <a:xfrm>
-            <a:off x="3743218" y="2806559"/>
-            <a:ext cx="1097622" cy="0"/>
-          </a:xfrm>
-          <a:prstGeom prst="straightConnector1">
-            <a:avLst/>
-          </a:prstGeom>
-          <a:ln>
-            <a:tailEnd type="triangle"/>
-          </a:ln>
-        </p:spPr>
-        <p:style>
-          <a:lnRef idx="1">
-            <a:schemeClr val="accent1"/>
-          </a:lnRef>
-          <a:fillRef idx="0">
-            <a:schemeClr val="accent1"/>
-          </a:fillRef>
-          <a:effectRef idx="0">
-            <a:schemeClr val="accent1"/>
-          </a:effectRef>
-          <a:fontRef idx="minor">
-            <a:schemeClr val="tx1"/>
-          </a:fontRef>
-        </p:style>
-      </p:cxnSp>
-      <p:sp>
-        <p:nvSpPr>
-          <p:cNvPr id="22" name="Rectangle 21">
-            <a:extLst>
-              <a:ext uri="{FF2B5EF4-FFF2-40B4-BE49-F238E27FC236}">
-                <a16:creationId xmlns:a16="http://schemas.microsoft.com/office/drawing/2014/main" id="{C5E9FE0F-6410-D849-AFCE-83520A116BC0}"/>
-              </a:ext>
-            </a:extLst>
-          </p:cNvPr>
-          <p:cNvSpPr/>
-          <p:nvPr/>
-        </p:nvSpPr>
-        <p:spPr>
-          <a:xfrm>
-            <a:off x="8109735" y="2285999"/>
-            <a:ext cx="1469204" cy="914400"/>
-          </a:xfrm>
-          <a:prstGeom prst="rect">
-            <a:avLst/>
-          </a:prstGeom>
-        </p:spPr>
-        <p:style>
-          <a:lnRef idx="2">
-            <a:schemeClr val="accent1">
-              <a:shade val="50000"/>
-            </a:schemeClr>
-          </a:lnRef>
-          <a:fillRef idx="1">
-            <a:schemeClr val="accent1"/>
-          </a:fillRef>
-          <a:effectRef idx="0">
-            <a:schemeClr val="accent1"/>
-          </a:effectRef>
-          <a:fontRef idx="minor">
-            <a:schemeClr val="lt1"/>
-          </a:fontRef>
-        </p:style>
-        <p:txBody>
-          <a:bodyPr rtlCol="0" anchor="ctr"/>
-          <a:lstStyle/>
-          <a:p>
-            <a:pPr algn="ctr"/>
-            <a:r>
-              <a:rPr lang="en-US" dirty="0"/>
-              <a:t>Effective Registrations</a:t>
-            </a:r>
-          </a:p>
-        </p:txBody>
-      </p:sp>
-      <p:cxnSp>
-        <p:nvCxnSpPr>
-          <p:cNvPr id="24" name="Straight Arrow Connector 23">
-            <a:extLst>
-              <a:ext uri="{FF2B5EF4-FFF2-40B4-BE49-F238E27FC236}">
-                <a16:creationId xmlns:a16="http://schemas.microsoft.com/office/drawing/2014/main" id="{0E5A1AA1-C71D-B141-9F43-8A2C43DF3ABB}"/>
-              </a:ext>
-            </a:extLst>
-          </p:cNvPr>
-          <p:cNvCxnSpPr>
-            <a:cxnSpLocks/>
-            <a:endCxn id="22" idx="1"/>
-          </p:cNvCxnSpPr>
-          <p:nvPr/>
-        </p:nvCxnSpPr>
-        <p:spPr>
-          <a:xfrm flipV="1">
-            <a:off x="7524108" y="2743199"/>
-            <a:ext cx="585627" cy="683746"/>
-          </a:xfrm>
-          <a:prstGeom prst="straightConnector1">
-            <a:avLst/>
-          </a:prstGeom>
-          <a:ln>
-            <a:tailEnd type="triangle"/>
-          </a:ln>
-        </p:spPr>
-        <p:style>
-          <a:lnRef idx="1">
-            <a:schemeClr val="accent1"/>
-          </a:lnRef>
-          <a:fillRef idx="0">
-            <a:schemeClr val="accent1"/>
-          </a:fillRef>
-          <a:effectRef idx="0">
-            <a:schemeClr val="accent1"/>
-          </a:effectRef>
-          <a:fontRef idx="minor">
-            <a:schemeClr val="tx1"/>
-          </a:fontRef>
-        </p:style>
-      </p:cxnSp>
     </p:spTree>
     <p:extLst>
       <p:ext uri="{BB962C8B-B14F-4D97-AF65-F5344CB8AC3E}">
